--- a/03/03_eloadas_HTTP_protokollok_fejlodese.pptx
+++ b/03/03_eloadas_HTTP_protokollok_fejlodese.pptx
@@ -213,7 +213,7 @@
           <a:p>
             <a:fld id="{4C482E4E-5CEC-44A9-BF2B-512FB3B5604F}" type="datetimeFigureOut">
               <a:rPr lang="en-US" smtClean="0"/>
-              <a:t>1/12/2026</a:t>
+              <a:t>2/9/2026</a:t>
             </a:fld>
             <a:endParaRPr lang="en-US"/>
           </a:p>
@@ -990,7 +990,7 @@
             </a:r>
             <a:r>
               <a:rPr lang="hu-HU" dirty="0"/>
-              <a:t> mint a HTTP/1.1. és HTTP/2 esetén</a:t>
+              <a:t> mint a HTTP/1.1 és HTTP/2 esetén</a:t>
             </a:r>
             <a:r>
               <a:rPr lang="en-US" dirty="0"/>
@@ -6676,7 +6676,7 @@
           <a:p>
             <a:fld id="{E80C50CD-E178-4744-9B35-B2F624D6C5E9}" type="datetimeFigureOut">
               <a:rPr lang="en-US" smtClean="0"/>
-              <a:t>1/12/2026</a:t>
+              <a:t>2/9/2026</a:t>
             </a:fld>
             <a:endParaRPr lang="en-US"/>
           </a:p>
@@ -6874,7 +6874,7 @@
           <a:p>
             <a:fld id="{E80C50CD-E178-4744-9B35-B2F624D6C5E9}" type="datetimeFigureOut">
               <a:rPr lang="en-US" smtClean="0"/>
-              <a:t>1/12/2026</a:t>
+              <a:t>2/9/2026</a:t>
             </a:fld>
             <a:endParaRPr lang="en-US"/>
           </a:p>
@@ -7082,7 +7082,7 @@
           <a:p>
             <a:fld id="{E80C50CD-E178-4744-9B35-B2F624D6C5E9}" type="datetimeFigureOut">
               <a:rPr lang="en-US" smtClean="0"/>
-              <a:t>1/12/2026</a:t>
+              <a:t>2/9/2026</a:t>
             </a:fld>
             <a:endParaRPr lang="en-US"/>
           </a:p>
@@ -7332,7 +7332,7 @@
           <a:p>
             <a:fld id="{E80C50CD-E178-4744-9B35-B2F624D6C5E9}" type="datetimeFigureOut">
               <a:rPr lang="en-US" smtClean="0"/>
-              <a:t>1/12/2026</a:t>
+              <a:t>2/9/2026</a:t>
             </a:fld>
             <a:endParaRPr lang="en-US"/>
           </a:p>
@@ -7611,7 +7611,7 @@
           <a:p>
             <a:fld id="{E80C50CD-E178-4744-9B35-B2F624D6C5E9}" type="datetimeFigureOut">
               <a:rPr lang="en-US" smtClean="0"/>
-              <a:t>1/12/2026</a:t>
+              <a:t>2/9/2026</a:t>
             </a:fld>
             <a:endParaRPr lang="en-US"/>
           </a:p>
@@ -7928,7 +7928,7 @@
           <a:p>
             <a:fld id="{E80C50CD-E178-4744-9B35-B2F624D6C5E9}" type="datetimeFigureOut">
               <a:rPr lang="en-US" smtClean="0"/>
-              <a:t>1/12/2026</a:t>
+              <a:t>2/9/2026</a:t>
             </a:fld>
             <a:endParaRPr lang="en-US"/>
           </a:p>
@@ -8344,7 +8344,7 @@
           <a:p>
             <a:fld id="{E80C50CD-E178-4744-9B35-B2F624D6C5E9}" type="datetimeFigureOut">
               <a:rPr lang="en-US" smtClean="0"/>
-              <a:t>1/12/2026</a:t>
+              <a:t>2/9/2026</a:t>
             </a:fld>
             <a:endParaRPr lang="en-US"/>
           </a:p>
@@ -8485,7 +8485,7 @@
           <a:p>
             <a:fld id="{E80C50CD-E178-4744-9B35-B2F624D6C5E9}" type="datetimeFigureOut">
               <a:rPr lang="en-US" smtClean="0"/>
-              <a:t>1/12/2026</a:t>
+              <a:t>2/9/2026</a:t>
             </a:fld>
             <a:endParaRPr lang="en-US"/>
           </a:p>
@@ -8598,7 +8598,7 @@
           <a:p>
             <a:fld id="{E80C50CD-E178-4744-9B35-B2F624D6C5E9}" type="datetimeFigureOut">
               <a:rPr lang="en-US" smtClean="0"/>
-              <a:t>1/12/2026</a:t>
+              <a:t>2/9/2026</a:t>
             </a:fld>
             <a:endParaRPr lang="en-US"/>
           </a:p>
@@ -8915,7 +8915,7 @@
           <a:p>
             <a:fld id="{E80C50CD-E178-4744-9B35-B2F624D6C5E9}" type="datetimeFigureOut">
               <a:rPr lang="en-US" smtClean="0"/>
-              <a:t>1/12/2026</a:t>
+              <a:t>2/9/2026</a:t>
             </a:fld>
             <a:endParaRPr lang="en-US"/>
           </a:p>
@@ -9207,7 +9207,7 @@
           <a:p>
             <a:fld id="{E80C50CD-E178-4744-9B35-B2F624D6C5E9}" type="datetimeFigureOut">
               <a:rPr lang="en-US" smtClean="0"/>
-              <a:t>1/12/2026</a:t>
+              <a:t>2/9/2026</a:t>
             </a:fld>
             <a:endParaRPr lang="en-US"/>
           </a:p>
@@ -9447,7 +9447,7 @@
             <a:fld id="{E80C50CD-E178-4744-9B35-B2F624D6C5E9}" type="datetimeFigureOut">
               <a:rPr lang="en-US" smtClean="0"/>
               <a:pPr/>
-              <a:t>1/12/2026</a:t>
+              <a:t>2/9/2026</a:t>
             </a:fld>
             <a:endParaRPr lang="en-US"/>
           </a:p>

--- a/03/03_eloadas_HTTP_protokollok_fejlodese.pptx
+++ b/03/03_eloadas_HTTP_protokollok_fejlodese.pptx
@@ -213,7 +213,7 @@
           <a:p>
             <a:fld id="{4C482E4E-5CEC-44A9-BF2B-512FB3B5604F}" type="datetimeFigureOut">
               <a:rPr lang="en-US" smtClean="0"/>
-              <a:t>2/9/2026</a:t>
+              <a:t>2/10/2026</a:t>
             </a:fld>
             <a:endParaRPr lang="en-US"/>
           </a:p>
@@ -6676,7 +6676,7 @@
           <a:p>
             <a:fld id="{E80C50CD-E178-4744-9B35-B2F624D6C5E9}" type="datetimeFigureOut">
               <a:rPr lang="en-US" smtClean="0"/>
-              <a:t>2/9/2026</a:t>
+              <a:t>2/10/2026</a:t>
             </a:fld>
             <a:endParaRPr lang="en-US"/>
           </a:p>
@@ -6874,7 +6874,7 @@
           <a:p>
             <a:fld id="{E80C50CD-E178-4744-9B35-B2F624D6C5E9}" type="datetimeFigureOut">
               <a:rPr lang="en-US" smtClean="0"/>
-              <a:t>2/9/2026</a:t>
+              <a:t>2/10/2026</a:t>
             </a:fld>
             <a:endParaRPr lang="en-US"/>
           </a:p>
@@ -7082,7 +7082,7 @@
           <a:p>
             <a:fld id="{E80C50CD-E178-4744-9B35-B2F624D6C5E9}" type="datetimeFigureOut">
               <a:rPr lang="en-US" smtClean="0"/>
-              <a:t>2/9/2026</a:t>
+              <a:t>2/10/2026</a:t>
             </a:fld>
             <a:endParaRPr lang="en-US"/>
           </a:p>
@@ -7332,7 +7332,7 @@
           <a:p>
             <a:fld id="{E80C50CD-E178-4744-9B35-B2F624D6C5E9}" type="datetimeFigureOut">
               <a:rPr lang="en-US" smtClean="0"/>
-              <a:t>2/9/2026</a:t>
+              <a:t>2/10/2026</a:t>
             </a:fld>
             <a:endParaRPr lang="en-US"/>
           </a:p>
@@ -7611,7 +7611,7 @@
           <a:p>
             <a:fld id="{E80C50CD-E178-4744-9B35-B2F624D6C5E9}" type="datetimeFigureOut">
               <a:rPr lang="en-US" smtClean="0"/>
-              <a:t>2/9/2026</a:t>
+              <a:t>2/10/2026</a:t>
             </a:fld>
             <a:endParaRPr lang="en-US"/>
           </a:p>
@@ -7928,7 +7928,7 @@
           <a:p>
             <a:fld id="{E80C50CD-E178-4744-9B35-B2F624D6C5E9}" type="datetimeFigureOut">
               <a:rPr lang="en-US" smtClean="0"/>
-              <a:t>2/9/2026</a:t>
+              <a:t>2/10/2026</a:t>
             </a:fld>
             <a:endParaRPr lang="en-US"/>
           </a:p>
@@ -8344,7 +8344,7 @@
           <a:p>
             <a:fld id="{E80C50CD-E178-4744-9B35-B2F624D6C5E9}" type="datetimeFigureOut">
               <a:rPr lang="en-US" smtClean="0"/>
-              <a:t>2/9/2026</a:t>
+              <a:t>2/10/2026</a:t>
             </a:fld>
             <a:endParaRPr lang="en-US"/>
           </a:p>
@@ -8485,7 +8485,7 @@
           <a:p>
             <a:fld id="{E80C50CD-E178-4744-9B35-B2F624D6C5E9}" type="datetimeFigureOut">
               <a:rPr lang="en-US" smtClean="0"/>
-              <a:t>2/9/2026</a:t>
+              <a:t>2/10/2026</a:t>
             </a:fld>
             <a:endParaRPr lang="en-US"/>
           </a:p>
@@ -8598,7 +8598,7 @@
           <a:p>
             <a:fld id="{E80C50CD-E178-4744-9B35-B2F624D6C5E9}" type="datetimeFigureOut">
               <a:rPr lang="en-US" smtClean="0"/>
-              <a:t>2/9/2026</a:t>
+              <a:t>2/10/2026</a:t>
             </a:fld>
             <a:endParaRPr lang="en-US"/>
           </a:p>
@@ -8915,7 +8915,7 @@
           <a:p>
             <a:fld id="{E80C50CD-E178-4744-9B35-B2F624D6C5E9}" type="datetimeFigureOut">
               <a:rPr lang="en-US" smtClean="0"/>
-              <a:t>2/9/2026</a:t>
+              <a:t>2/10/2026</a:t>
             </a:fld>
             <a:endParaRPr lang="en-US"/>
           </a:p>
@@ -9207,7 +9207,7 @@
           <a:p>
             <a:fld id="{E80C50CD-E178-4744-9B35-B2F624D6C5E9}" type="datetimeFigureOut">
               <a:rPr lang="en-US" smtClean="0"/>
-              <a:t>2/9/2026</a:t>
+              <a:t>2/10/2026</a:t>
             </a:fld>
             <a:endParaRPr lang="en-US"/>
           </a:p>
@@ -9447,7 +9447,7 @@
             <a:fld id="{E80C50CD-E178-4744-9B35-B2F624D6C5E9}" type="datetimeFigureOut">
               <a:rPr lang="en-US" smtClean="0"/>
               <a:pPr/>
-              <a:t>2/9/2026</a:t>
+              <a:t>2/10/2026</a:t>
             </a:fld>
             <a:endParaRPr lang="en-US"/>
           </a:p>
@@ -10957,22 +10957,29 @@
               <a:t>• </a:t>
             </a:r>
             <a:r>
-              <a:rPr lang="en-US" sz="2400" dirty="0" err="1"/>
+              <a:rPr lang="en-US" sz="2400" b="1" dirty="0" err="1"/>
               <a:t>Beépített</a:t>
             </a:r>
             <a:r>
+              <a:rPr lang="en-US" sz="2400" b="1" dirty="0"/>
+              <a:t> </a:t>
+            </a:r>
+            <a:r>
+              <a:rPr lang="en-US" sz="2400" b="1" dirty="0" err="1"/>
+              <a:t>titkosítás</a:t>
+            </a:r>
+            <a:r>
+              <a:rPr lang="en-US" sz="2400" b="1" dirty="0"/>
+              <a:t> </a:t>
+            </a:r>
+            <a:r>
               <a:rPr lang="en-US" sz="2400" dirty="0"/>
-              <a:t> </a:t>
-            </a:r>
-            <a:r>
-              <a:rPr lang="en-US" sz="2400" dirty="0" err="1"/>
-              <a:t>titkosítás</a:t>
-            </a:r>
-            <a:r>
-              <a:rPr lang="en-US" sz="2400" dirty="0"/>
-              <a:t> (TLS 1.3)</a:t>
-            </a:r>
-            <a:endParaRPr lang="hu-HU" sz="2400" dirty="0"/>
+              <a:t>(TLS 1.3)</a:t>
+            </a:r>
+            <a:r>
+              <a:rPr lang="hu-HU" sz="2400" dirty="0"/>
+              <a:t>, ami kötelező</a:t>
+            </a:r>
           </a:p>
           <a:p>
             <a:pPr marL="0" indent="0">
@@ -10986,11 +10993,23 @@
             </a:pPr>
             <a:r>
               <a:rPr lang="en-US" sz="2400" dirty="0"/>
-              <a:t>• Multiplexing</a:t>
+              <a:t>• </a:t>
+            </a:r>
+            <a:r>
+              <a:rPr lang="en-US" sz="2400" b="1" dirty="0"/>
+              <a:t>Multiplexing</a:t>
             </a:r>
             <a:r>
               <a:rPr lang="hu-HU" sz="2400" dirty="0"/>
-              <a:t> és streaming támogatása</a:t>
+              <a:t> és </a:t>
+            </a:r>
+            <a:r>
+              <a:rPr lang="hu-HU" sz="2400" b="1" dirty="0"/>
+              <a:t>streaming</a:t>
+            </a:r>
+            <a:r>
+              <a:rPr lang="hu-HU" sz="2400" dirty="0"/>
+              <a:t> támogatása</a:t>
             </a:r>
           </a:p>
           <a:p>
@@ -11158,7 +11177,15 @@
             </a:br>
             <a:r>
               <a:rPr lang="en-US" sz="2400" dirty="0"/>
-              <a:t>• Minden stream </a:t>
+              <a:t>• Minden </a:t>
+            </a:r>
+            <a:r>
+              <a:rPr lang="en-US" sz="2400" b="1" dirty="0"/>
+              <a:t>stream</a:t>
+            </a:r>
+            <a:r>
+              <a:rPr lang="en-US" sz="2400" dirty="0"/>
+              <a:t> </a:t>
             </a:r>
             <a:r>
               <a:rPr lang="en-US" sz="2400" dirty="0" err="1"/>
@@ -11174,7 +11201,11 @@
             </a:r>
             <a:r>
               <a:rPr lang="hu-HU" sz="2400" dirty="0"/>
-              <a:t> és független</a:t>
+              <a:t> és </a:t>
+            </a:r>
+            <a:r>
+              <a:rPr lang="hu-HU" sz="2400" b="1" dirty="0"/>
+              <a:t>független</a:t>
             </a:r>
           </a:p>
           <a:p>
@@ -11192,11 +11223,11 @@
               <a:t>• </a:t>
             </a:r>
             <a:r>
-              <a:rPr lang="en-US" sz="2400" dirty="0" err="1"/>
+              <a:rPr lang="en-US" sz="2400" b="1" dirty="0" err="1"/>
               <a:t>Nincs</a:t>
             </a:r>
             <a:r>
-              <a:rPr lang="en-US" sz="2400" dirty="0"/>
+              <a:rPr lang="en-US" sz="2400" b="1" dirty="0"/>
               <a:t> TCP-level HOL blocking</a:t>
             </a:r>
             <a:br>
@@ -11523,14 +11554,30 @@
             </a:pPr>
             <a:r>
               <a:rPr lang="hu-HU" sz="2400" dirty="0"/>
-              <a:t>• Egymástól független és párhuzamos </a:t>
-            </a:r>
-            <a:r>
-              <a:rPr lang="hu-HU" sz="2400" dirty="0" err="1"/>
+              <a:t>• Egymástól </a:t>
+            </a:r>
+            <a:r>
+              <a:rPr lang="hu-HU" sz="2400" b="1" dirty="0"/>
+              <a:t>független</a:t>
+            </a:r>
+            <a:r>
+              <a:rPr lang="hu-HU" sz="2400" dirty="0"/>
+              <a:t> és </a:t>
+            </a:r>
+            <a:r>
+              <a:rPr lang="hu-HU" sz="2400" b="1" dirty="0"/>
+              <a:t>párhuzamos</a:t>
+            </a:r>
+            <a:r>
+              <a:rPr lang="hu-HU" sz="2400" dirty="0"/>
+              <a:t> </a:t>
+            </a:r>
+            <a:r>
+              <a:rPr lang="hu-HU" sz="2400" b="1" dirty="0" err="1"/>
               <a:t>stream</a:t>
             </a:r>
             <a:r>
-              <a:rPr lang="hu-HU" sz="2400" dirty="0"/>
+              <a:rPr lang="hu-HU" sz="2400" b="1" dirty="0"/>
               <a:t>-ek</a:t>
             </a:r>
           </a:p>
@@ -11549,7 +11596,7 @@
               <a:t>• </a:t>
             </a:r>
             <a:r>
-              <a:rPr lang="en-US" sz="2400" dirty="0" err="1"/>
+              <a:rPr lang="en-US" sz="2400" b="1" dirty="0" err="1"/>
               <a:t>Gyors</a:t>
             </a:r>
             <a:r>
@@ -11565,10 +11612,14 @@
             </a:br>
             <a:r>
               <a:rPr lang="hu-HU" sz="2400" dirty="0"/>
-              <a:t>• Kevesebb </a:t>
-            </a:r>
-            <a:r>
-              <a:rPr lang="hu-HU" sz="2400" dirty="0" err="1"/>
+              <a:t>• </a:t>
+            </a:r>
+            <a:r>
+              <a:rPr lang="hu-HU" sz="2400" b="1" dirty="0"/>
+              <a:t>Kevesebb </a:t>
+            </a:r>
+            <a:r>
+              <a:rPr lang="hu-HU" sz="2400" b="1" dirty="0" err="1"/>
               <a:t>round-trip</a:t>
             </a:r>
             <a:r>
@@ -11592,7 +11643,15 @@
             </a:br>
             <a:r>
               <a:rPr lang="hu-HU" sz="2400" dirty="0"/>
-              <a:t>• Stabil teljesítmény</a:t>
+              <a:t>• </a:t>
+            </a:r>
+            <a:r>
+              <a:rPr lang="hu-HU" sz="2400" b="1" dirty="0"/>
+              <a:t>Stabil</a:t>
+            </a:r>
+            <a:r>
+              <a:rPr lang="hu-HU" sz="2400" dirty="0"/>
+              <a:t> teljesítmény</a:t>
             </a:r>
           </a:p>
           <a:p>
@@ -11607,7 +11666,15 @@
             </a:pPr>
             <a:r>
               <a:rPr lang="hu-HU" sz="2400" dirty="0"/>
-              <a:t>• Még gyorsabb működés mobil hálózaton</a:t>
+              <a:t>• Még </a:t>
+            </a:r>
+            <a:r>
+              <a:rPr lang="hu-HU" sz="2400" b="1" dirty="0"/>
+              <a:t>gyorsabb</a:t>
+            </a:r>
+            <a:r>
+              <a:rPr lang="hu-HU" sz="2400" dirty="0"/>
+              <a:t> működés mobil hálózaton</a:t>
             </a:r>
             <a:endParaRPr lang="en-US" sz="2400" dirty="0"/>
           </a:p>
@@ -13187,7 +13254,7 @@
               <a:t> </a:t>
             </a:r>
             <a:r>
-              <a:rPr lang="en-US" sz="2400" dirty="0" err="1"/>
+              <a:rPr lang="en-US" sz="2400" b="1" dirty="0" err="1"/>
               <a:t>komplexebbé</a:t>
             </a:r>
             <a:r>
@@ -13203,10 +13270,14 @@
             </a:br>
             <a:r>
               <a:rPr lang="en-US" sz="2400" dirty="0"/>
-              <a:t>• Sok </a:t>
-            </a:r>
-            <a:r>
-              <a:rPr lang="en-US" sz="2400" dirty="0" err="1"/>
+              <a:t>• </a:t>
+            </a:r>
+            <a:r>
+              <a:rPr lang="en-US" sz="2400" b="1" dirty="0"/>
+              <a:t>Sok </a:t>
+            </a:r>
+            <a:r>
+              <a:rPr lang="en-US" sz="2400" b="1" dirty="0" err="1"/>
               <a:t>erőforrás</a:t>
             </a:r>
             <a:r>
@@ -13230,10 +13301,14 @@
             </a:br>
             <a:r>
               <a:rPr lang="en-US" sz="2400" dirty="0"/>
-              <a:t>• Mobil </a:t>
-            </a:r>
-            <a:r>
-              <a:rPr lang="en-US" sz="2400" dirty="0" err="1"/>
+              <a:t>• </a:t>
+            </a:r>
+            <a:r>
+              <a:rPr lang="en-US" sz="2400" b="1" dirty="0"/>
+              <a:t>Mobil </a:t>
+            </a:r>
+            <a:r>
+              <a:rPr lang="en-US" sz="2400" b="1" dirty="0" err="1"/>
               <a:t>kliensek</a:t>
             </a:r>
             <a:r>
@@ -14164,10 +14239,10 @@
               <a:t> </a:t>
             </a:r>
             <a:r>
-              <a:rPr lang="en-US" sz="2400" dirty="0" err="1"/>
+              <a:rPr lang="en-US" sz="2400" b="1" dirty="0" err="1"/>
               <a:t>komplexitása</a:t>
             </a:r>
-            <a:endParaRPr lang="hu-HU" sz="2400" dirty="0"/>
+            <a:endParaRPr lang="hu-HU" sz="2400" b="1" dirty="0"/>
           </a:p>
           <a:p>
             <a:pPr marL="0" indent="0">
@@ -15162,8 +15237,12 @@
               </a:lnSpc>
             </a:pPr>
             <a:r>
+              <a:rPr lang="hu-HU" sz="2400" b="1" dirty="0"/>
+              <a:t>HPACK</a:t>
+            </a:r>
+            <a:r>
               <a:rPr lang="hu-HU" sz="2400" dirty="0"/>
-              <a:t>HPACK: </a:t>
+              <a:t>: </a:t>
             </a:r>
             <a:r>
               <a:rPr lang="hu-HU" sz="2400" dirty="0" err="1"/>
@@ -15190,15 +15269,23 @@
               <a:t>HPACK </a:t>
             </a:r>
             <a:r>
-              <a:rPr lang="en-US" sz="2400" dirty="0" err="1"/>
+              <a:rPr lang="en-US" sz="2400" b="1" dirty="0" err="1"/>
               <a:t>tömöríti</a:t>
             </a:r>
             <a:r>
               <a:rPr lang="en-US" sz="2400" dirty="0"/>
-              <a:t> a </a:t>
-            </a:r>
-            <a:r>
-              <a:rPr lang="en-US" sz="2400" dirty="0" err="1"/>
+              <a:t> </a:t>
+            </a:r>
+            <a:r>
+              <a:rPr lang="en-US" sz="2400" b="1" dirty="0"/>
+              <a:t>a</a:t>
+            </a:r>
+            <a:r>
+              <a:rPr lang="en-US" sz="2400" dirty="0"/>
+              <a:t> </a:t>
+            </a:r>
+            <a:r>
+              <a:rPr lang="en-US" sz="2400" b="1" dirty="0" err="1"/>
               <a:t>fejléceket</a:t>
             </a:r>
             <a:r>
@@ -15226,7 +15313,7 @@
               </a:lnSpc>
             </a:pPr>
             <a:r>
-              <a:rPr lang="hu-HU" sz="2400" dirty="0" err="1"/>
+              <a:rPr lang="hu-HU" sz="2400" b="1" dirty="0" err="1"/>
               <a:t>Stream</a:t>
             </a:r>
             <a:r>
@@ -15234,7 +15321,7 @@
               <a:t> </a:t>
             </a:r>
             <a:r>
-              <a:rPr lang="hu-HU" sz="2400" dirty="0" err="1"/>
+              <a:rPr lang="hu-HU" sz="2400" b="1" dirty="0" err="1"/>
               <a:t>priorítások</a:t>
             </a:r>
             <a:r>
@@ -15249,8 +15336,12 @@
               </a:lnSpc>
             </a:pPr>
             <a:r>
+              <a:rPr lang="en-US" sz="2400" b="1" dirty="0"/>
+              <a:t>Server Push</a:t>
+            </a:r>
+            <a:r>
               <a:rPr lang="en-US" sz="2400" dirty="0"/>
-              <a:t>Server Push: </a:t>
+              <a:t>: </a:t>
             </a:r>
             <a:r>
               <a:rPr lang="en-US" sz="2400" dirty="0" err="1"/>

--- a/03/03_eloadas_HTTP_protokollok_fejlodese.pptx
+++ b/03/03_eloadas_HTTP_protokollok_fejlodese.pptx
@@ -5,26 +5,27 @@
     <p:sldMasterId id="2147483686" r:id="rId1"/>
   </p:sldMasterIdLst>
   <p:notesMasterIdLst>
-    <p:notesMasterId r:id="rId19"/>
+    <p:notesMasterId r:id="rId20"/>
   </p:notesMasterIdLst>
   <p:sldIdLst>
-    <p:sldId id="256" r:id="rId2"/>
-    <p:sldId id="259" r:id="rId3"/>
-    <p:sldId id="260" r:id="rId4"/>
-    <p:sldId id="261" r:id="rId5"/>
-    <p:sldId id="262" r:id="rId6"/>
-    <p:sldId id="263" r:id="rId7"/>
-    <p:sldId id="264" r:id="rId8"/>
-    <p:sldId id="265" r:id="rId9"/>
-    <p:sldId id="266" r:id="rId10"/>
-    <p:sldId id="267" r:id="rId11"/>
-    <p:sldId id="268" r:id="rId12"/>
-    <p:sldId id="269" r:id="rId13"/>
-    <p:sldId id="270" r:id="rId14"/>
-    <p:sldId id="271" r:id="rId15"/>
-    <p:sldId id="272" r:id="rId16"/>
-    <p:sldId id="273" r:id="rId17"/>
-    <p:sldId id="274" r:id="rId18"/>
+    <p:sldId id="277" r:id="rId2"/>
+    <p:sldId id="256" r:id="rId3"/>
+    <p:sldId id="259" r:id="rId4"/>
+    <p:sldId id="260" r:id="rId5"/>
+    <p:sldId id="261" r:id="rId6"/>
+    <p:sldId id="262" r:id="rId7"/>
+    <p:sldId id="263" r:id="rId8"/>
+    <p:sldId id="264" r:id="rId9"/>
+    <p:sldId id="265" r:id="rId10"/>
+    <p:sldId id="266" r:id="rId11"/>
+    <p:sldId id="267" r:id="rId12"/>
+    <p:sldId id="268" r:id="rId13"/>
+    <p:sldId id="269" r:id="rId14"/>
+    <p:sldId id="270" r:id="rId15"/>
+    <p:sldId id="271" r:id="rId16"/>
+    <p:sldId id="272" r:id="rId17"/>
+    <p:sldId id="273" r:id="rId18"/>
+    <p:sldId id="274" r:id="rId19"/>
   </p:sldIdLst>
   <p:sldSz cx="12192000" cy="6858000"/>
   <p:notesSz cx="6858000" cy="9144000"/>
@@ -213,7 +214,7 @@
           <a:p>
             <a:fld id="{4C482E4E-5CEC-44A9-BF2B-512FB3B5604F}" type="datetimeFigureOut">
               <a:rPr lang="en-US" smtClean="0"/>
-              <a:t>2/10/2026</a:t>
+              <a:t>2/16/2026</a:t>
             </a:fld>
             <a:endParaRPr lang="en-US"/>
           </a:p>
@@ -590,7 +591,7 @@
           <a:p>
             <a:fld id="{82D23EBC-67FA-4278-B97C-82D0A52FD2DA}" type="slidenum">
               <a:rPr lang="en-US" smtClean="0"/>
-              <a:t>1</a:t>
+              <a:t>2</a:t>
             </a:fld>
             <a:endParaRPr lang="en-US"/>
           </a:p>
@@ -1091,7 +1092,7 @@
           <a:p>
             <a:fld id="{82D23EBC-67FA-4278-B97C-82D0A52FD2DA}" type="slidenum">
               <a:rPr lang="en-US" smtClean="0"/>
-              <a:t>11</a:t>
+              <a:t>12</a:t>
             </a:fld>
             <a:endParaRPr lang="en-US"/>
           </a:p>
@@ -1476,7 +1477,7 @@
           <a:p>
             <a:fld id="{82D23EBC-67FA-4278-B97C-82D0A52FD2DA}" type="slidenum">
               <a:rPr lang="en-US" smtClean="0"/>
-              <a:t>12</a:t>
+              <a:t>13</a:t>
             </a:fld>
             <a:endParaRPr lang="en-US"/>
           </a:p>
@@ -1713,7 +1714,7 @@
           <a:p>
             <a:fld id="{82D23EBC-67FA-4278-B97C-82D0A52FD2DA}" type="slidenum">
               <a:rPr lang="en-US" smtClean="0"/>
-              <a:t>14</a:t>
+              <a:t>15</a:t>
             </a:fld>
             <a:endParaRPr lang="en-US"/>
           </a:p>
@@ -1925,7 +1926,7 @@
           <a:p>
             <a:fld id="{82D23EBC-67FA-4278-B97C-82D0A52FD2DA}" type="slidenum">
               <a:rPr lang="en-US" smtClean="0"/>
-              <a:t>15</a:t>
+              <a:t>16</a:t>
             </a:fld>
             <a:endParaRPr lang="en-US"/>
           </a:p>
@@ -2170,7 +2171,7 @@
           <a:p>
             <a:fld id="{82D23EBC-67FA-4278-B97C-82D0A52FD2DA}" type="slidenum">
               <a:rPr lang="en-US" smtClean="0"/>
-              <a:t>16</a:t>
+              <a:t>17</a:t>
             </a:fld>
             <a:endParaRPr lang="en-US"/>
           </a:p>
@@ -2287,7 +2288,7 @@
           <a:p>
             <a:fld id="{82D23EBC-67FA-4278-B97C-82D0A52FD2DA}" type="slidenum">
               <a:rPr lang="en-US" smtClean="0"/>
-              <a:t>17</a:t>
+              <a:t>18</a:t>
             </a:fld>
             <a:endParaRPr lang="en-US"/>
           </a:p>
@@ -2469,7 +2470,7 @@
           <a:p>
             <a:fld id="{82D23EBC-67FA-4278-B97C-82D0A52FD2DA}" type="slidenum">
               <a:rPr lang="en-US" smtClean="0"/>
-              <a:t>2</a:t>
+              <a:t>3</a:t>
             </a:fld>
             <a:endParaRPr lang="en-US"/>
           </a:p>
@@ -3781,7 +3782,7 @@
           <a:p>
             <a:fld id="{82D23EBC-67FA-4278-B97C-82D0A52FD2DA}" type="slidenum">
               <a:rPr lang="en-US" smtClean="0"/>
-              <a:t>3</a:t>
+              <a:t>4</a:t>
             </a:fld>
             <a:endParaRPr lang="en-US"/>
           </a:p>
@@ -4062,7 +4063,7 @@
           <a:p>
             <a:fld id="{82D23EBC-67FA-4278-B97C-82D0A52FD2DA}" type="slidenum">
               <a:rPr lang="en-US" smtClean="0"/>
-              <a:t>4</a:t>
+              <a:t>5</a:t>
             </a:fld>
             <a:endParaRPr lang="en-US"/>
           </a:p>
@@ -4497,7 +4498,7 @@
           <a:p>
             <a:fld id="{82D23EBC-67FA-4278-B97C-82D0A52FD2DA}" type="slidenum">
               <a:rPr lang="en-US" smtClean="0"/>
-              <a:t>5</a:t>
+              <a:t>6</a:t>
             </a:fld>
             <a:endParaRPr lang="en-US"/>
           </a:p>
@@ -4984,7 +4985,7 @@
           <a:p>
             <a:fld id="{82D23EBC-67FA-4278-B97C-82D0A52FD2DA}" type="slidenum">
               <a:rPr lang="en-US" smtClean="0"/>
-              <a:t>6</a:t>
+              <a:t>7</a:t>
             </a:fld>
             <a:endParaRPr lang="en-US"/>
           </a:p>
@@ -5352,7 +5353,7 @@
           <a:p>
             <a:fld id="{82D23EBC-67FA-4278-B97C-82D0A52FD2DA}" type="slidenum">
               <a:rPr lang="en-US" smtClean="0"/>
-              <a:t>7</a:t>
+              <a:t>8</a:t>
             </a:fld>
             <a:endParaRPr lang="en-US"/>
           </a:p>
@@ -6207,7 +6208,7 @@
           <a:p>
             <a:fld id="{82D23EBC-67FA-4278-B97C-82D0A52FD2DA}" type="slidenum">
               <a:rPr lang="en-US" smtClean="0"/>
-              <a:t>9</a:t>
+              <a:t>10</a:t>
             </a:fld>
             <a:endParaRPr lang="en-US"/>
           </a:p>
@@ -6374,7 +6375,7 @@
           <a:p>
             <a:fld id="{82D23EBC-67FA-4278-B97C-82D0A52FD2DA}" type="slidenum">
               <a:rPr lang="en-US" smtClean="0"/>
-              <a:t>10</a:t>
+              <a:t>11</a:t>
             </a:fld>
             <a:endParaRPr lang="en-US"/>
           </a:p>
@@ -6676,7 +6677,7 @@
           <a:p>
             <a:fld id="{E80C50CD-E178-4744-9B35-B2F624D6C5E9}" type="datetimeFigureOut">
               <a:rPr lang="en-US" smtClean="0"/>
-              <a:t>2/10/2026</a:t>
+              <a:t>2/16/2026</a:t>
             </a:fld>
             <a:endParaRPr lang="en-US"/>
           </a:p>
@@ -6874,7 +6875,7 @@
           <a:p>
             <a:fld id="{E80C50CD-E178-4744-9B35-B2F624D6C5E9}" type="datetimeFigureOut">
               <a:rPr lang="en-US" smtClean="0"/>
-              <a:t>2/10/2026</a:t>
+              <a:t>2/16/2026</a:t>
             </a:fld>
             <a:endParaRPr lang="en-US"/>
           </a:p>
@@ -7082,7 +7083,7 @@
           <a:p>
             <a:fld id="{E80C50CD-E178-4744-9B35-B2F624D6C5E9}" type="datetimeFigureOut">
               <a:rPr lang="en-US" smtClean="0"/>
-              <a:t>2/10/2026</a:t>
+              <a:t>2/16/2026</a:t>
             </a:fld>
             <a:endParaRPr lang="en-US"/>
           </a:p>
@@ -7332,7 +7333,7 @@
           <a:p>
             <a:fld id="{E80C50CD-E178-4744-9B35-B2F624D6C5E9}" type="datetimeFigureOut">
               <a:rPr lang="en-US" smtClean="0"/>
-              <a:t>2/10/2026</a:t>
+              <a:t>2/16/2026</a:t>
             </a:fld>
             <a:endParaRPr lang="en-US"/>
           </a:p>
@@ -7611,7 +7612,7 @@
           <a:p>
             <a:fld id="{E80C50CD-E178-4744-9B35-B2F624D6C5E9}" type="datetimeFigureOut">
               <a:rPr lang="en-US" smtClean="0"/>
-              <a:t>2/10/2026</a:t>
+              <a:t>2/16/2026</a:t>
             </a:fld>
             <a:endParaRPr lang="en-US"/>
           </a:p>
@@ -7928,7 +7929,7 @@
           <a:p>
             <a:fld id="{E80C50CD-E178-4744-9B35-B2F624D6C5E9}" type="datetimeFigureOut">
               <a:rPr lang="en-US" smtClean="0"/>
-              <a:t>2/10/2026</a:t>
+              <a:t>2/16/2026</a:t>
             </a:fld>
             <a:endParaRPr lang="en-US"/>
           </a:p>
@@ -8344,7 +8345,7 @@
           <a:p>
             <a:fld id="{E80C50CD-E178-4744-9B35-B2F624D6C5E9}" type="datetimeFigureOut">
               <a:rPr lang="en-US" smtClean="0"/>
-              <a:t>2/10/2026</a:t>
+              <a:t>2/16/2026</a:t>
             </a:fld>
             <a:endParaRPr lang="en-US"/>
           </a:p>
@@ -8485,7 +8486,7 @@
           <a:p>
             <a:fld id="{E80C50CD-E178-4744-9B35-B2F624D6C5E9}" type="datetimeFigureOut">
               <a:rPr lang="en-US" smtClean="0"/>
-              <a:t>2/10/2026</a:t>
+              <a:t>2/16/2026</a:t>
             </a:fld>
             <a:endParaRPr lang="en-US"/>
           </a:p>
@@ -8598,7 +8599,7 @@
           <a:p>
             <a:fld id="{E80C50CD-E178-4744-9B35-B2F624D6C5E9}" type="datetimeFigureOut">
               <a:rPr lang="en-US" smtClean="0"/>
-              <a:t>2/10/2026</a:t>
+              <a:t>2/16/2026</a:t>
             </a:fld>
             <a:endParaRPr lang="en-US"/>
           </a:p>
@@ -8915,7 +8916,7 @@
           <a:p>
             <a:fld id="{E80C50CD-E178-4744-9B35-B2F624D6C5E9}" type="datetimeFigureOut">
               <a:rPr lang="en-US" smtClean="0"/>
-              <a:t>2/10/2026</a:t>
+              <a:t>2/16/2026</a:t>
             </a:fld>
             <a:endParaRPr lang="en-US"/>
           </a:p>
@@ -9207,7 +9208,7 @@
           <a:p>
             <a:fld id="{E80C50CD-E178-4744-9B35-B2F624D6C5E9}" type="datetimeFigureOut">
               <a:rPr lang="en-US" smtClean="0"/>
-              <a:t>2/10/2026</a:t>
+              <a:t>2/16/2026</a:t>
             </a:fld>
             <a:endParaRPr lang="en-US"/>
           </a:p>
@@ -9447,7 +9448,7 @@
             <a:fld id="{E80C50CD-E178-4744-9B35-B2F624D6C5E9}" type="datetimeFigureOut">
               <a:rPr lang="en-US" smtClean="0"/>
               <a:pPr/>
-              <a:t>2/10/2026</a:t>
+              <a:t>2/16/2026</a:t>
             </a:fld>
             <a:endParaRPr lang="en-US"/>
           </a:p>
@@ -9947,14 +9948,6 @@
 <file path=ppt/slides/slide1.xml><?xml version="1.0" encoding="utf-8"?>
 <p:sld xmlns:a="http://schemas.openxmlformats.org/drawingml/2006/main" xmlns:r="http://schemas.openxmlformats.org/officeDocument/2006/relationships" xmlns:p="http://schemas.openxmlformats.org/presentationml/2006/main">
   <p:cSld>
-    <p:bg>
-      <p:bgPr>
-        <a:solidFill>
-          <a:schemeClr val="bg1"/>
-        </a:solidFill>
-        <a:effectLst/>
-      </p:bgPr>
-    </p:bg>
     <p:spTree>
       <p:nvGrpSpPr>
         <p:cNvPr id="1" name=""/>
@@ -9969,72 +9962,12 @@
           <a:chExt cx="0" cy="0"/>
         </a:xfrm>
       </p:grpSpPr>
-      <p:sp useBgFill="1">
-        <p:nvSpPr>
-          <p:cNvPr id="20" name="Rectangle 19">
-            <a:extLst>
-              <a:ext uri="{FF2B5EF4-FFF2-40B4-BE49-F238E27FC236}">
-                <a16:creationId xmlns:a16="http://schemas.microsoft.com/office/drawing/2014/main" id="{FAF3766F-DEF3-4802-BB0D-7A18EDD9704F}"/>
-              </a:ext>
-              <a:ext uri="{C183D7F6-B498-43B3-948B-1728B52AA6E4}">
-                <adec:decorative xmlns:adec="http://schemas.microsoft.com/office/drawing/2017/decorative" val="1"/>
-              </a:ext>
-            </a:extLst>
-          </p:cNvPr>
-          <p:cNvSpPr>
-            <a:spLocks noGrp="1" noRot="1" noChangeAspect="1" noMove="1" noResize="1" noEditPoints="1" noAdjustHandles="1" noChangeArrowheads="1" noChangeShapeType="1" noTextEdit="1"/>
-          </p:cNvSpPr>
-          <p:nvPr>
-            <p:extLst>
-              <p:ext uri="{386F3935-93C4-4BCD-93E2-E3B085C9AB24}">
-                <p16:designElem xmlns:p16="http://schemas.microsoft.com/office/powerpoint/2015/main" val="1"/>
-              </p:ext>
-            </p:extLst>
-          </p:nvPr>
-        </p:nvSpPr>
-        <p:spPr>
-          <a:xfrm>
-            <a:off x="0" y="0"/>
-            <a:ext cx="12188952" cy="6857995"/>
-          </a:xfrm>
-          <a:prstGeom prst="rect">
-            <a:avLst/>
-          </a:prstGeom>
-          <a:ln>
-            <a:noFill/>
-          </a:ln>
-        </p:spPr>
-        <p:style>
-          <a:lnRef idx="2">
-            <a:schemeClr val="accent1">
-              <a:shade val="50000"/>
-            </a:schemeClr>
-          </a:lnRef>
-          <a:fillRef idx="1">
-            <a:schemeClr val="accent1"/>
-          </a:fillRef>
-          <a:effectRef idx="0">
-            <a:schemeClr val="accent1"/>
-          </a:effectRef>
-          <a:fontRef idx="minor">
-            <a:schemeClr val="lt1"/>
-          </a:fontRef>
-        </p:style>
-        <p:txBody>
-          <a:bodyPr rtlCol="0" anchor="ctr"/>
-          <a:lstStyle/>
-          <a:p>
-            <a:pPr algn="ctr"/>
-            <a:endParaRPr lang="en-US" dirty="0"/>
-          </a:p>
-        </p:txBody>
-      </p:sp>
       <p:sp>
         <p:nvSpPr>
           <p:cNvPr id="2" name="Title 1">
             <a:extLst>
               <a:ext uri="{FF2B5EF4-FFF2-40B4-BE49-F238E27FC236}">
-                <a16:creationId xmlns:a16="http://schemas.microsoft.com/office/drawing/2014/main" id="{07612390-7FD9-3A7E-F78F-3E71606EA902}"/>
+                <a16:creationId xmlns:a16="http://schemas.microsoft.com/office/drawing/2014/main" id="{0A8888D9-8305-0465-4F3D-7DA298735475}"/>
               </a:ext>
             </a:extLst>
           </p:cNvPr>
@@ -10042,526 +9975,375 @@
             <a:spLocks noGrp="1"/>
           </p:cNvSpPr>
           <p:nvPr>
-            <p:ph type="ctrTitle"/>
+            <p:ph type="title"/>
           </p:nvPr>
         </p:nvSpPr>
         <p:spPr>
           <a:xfrm>
-            <a:off x="517868" y="1052996"/>
-            <a:ext cx="11165482" cy="2425796"/>
+            <a:off x="521208" y="978408"/>
+            <a:ext cx="6263640" cy="1463040"/>
           </a:xfrm>
         </p:spPr>
         <p:txBody>
-          <a:bodyPr anchor="b">
-            <a:normAutofit fontScale="90000"/>
+          <a:bodyPr>
+            <a:normAutofit/>
           </a:bodyPr>
           <a:lstStyle/>
           <a:p>
-            <a:pPr>
-              <a:lnSpc>
-                <a:spcPct val="90000"/>
-              </a:lnSpc>
-            </a:pPr>
-            <a:r>
-              <a:rPr lang="hu-HU" sz="4400" dirty="0"/>
-              <a:t>A webes kommunikáció fejlődése és modern protokollok működése</a:t>
-            </a:r>
-            <a:br>
-              <a:rPr lang="hu-HU" sz="3600" dirty="0"/>
-            </a:br>
-            <a:br>
-              <a:rPr lang="hu-HU" sz="3600" dirty="0"/>
-            </a:br>
-            <a:br>
-              <a:rPr lang="hu-HU" sz="3600" dirty="0"/>
-            </a:br>
-            <a:r>
-              <a:rPr lang="en-US" sz="2200" dirty="0"/>
-              <a:t>HTTP/1.1 → HTTP/2 → HTTP/3</a:t>
-            </a:r>
+            <a:r>
+              <a:rPr lang="hu-HU" dirty="0"/>
+              <a:t>GitHub </a:t>
+            </a:r>
+            <a:r>
+              <a:rPr lang="hu-HU" dirty="0" err="1"/>
+              <a:t>repository</a:t>
+            </a:r>
+            <a:endParaRPr lang="en-US" dirty="0"/>
           </a:p>
         </p:txBody>
       </p:sp>
       <p:sp>
         <p:nvSpPr>
-          <p:cNvPr id="22" name="Freeform: Shape 21">
+          <p:cNvPr id="3" name="Content Placeholder 2">
             <a:extLst>
               <a:ext uri="{FF2B5EF4-FFF2-40B4-BE49-F238E27FC236}">
-                <a16:creationId xmlns:a16="http://schemas.microsoft.com/office/drawing/2014/main" id="{BD0C058D-27D4-3139-E199-E2C11099B62C}"/>
-              </a:ext>
-              <a:ext uri="{C183D7F6-B498-43B3-948B-1728B52AA6E4}">
-                <adec:decorative xmlns:adec="http://schemas.microsoft.com/office/drawing/2017/decorative" val="1"/>
+                <a16:creationId xmlns:a16="http://schemas.microsoft.com/office/drawing/2014/main" id="{B5CB6470-8D30-EA9B-70C6-C8C1DD303D15}"/>
               </a:ext>
             </a:extLst>
           </p:cNvPr>
           <p:cNvSpPr>
-            <a:spLocks noGrp="1" noRot="1" noChangeAspect="1" noMove="1" noResize="1" noEditPoints="1" noAdjustHandles="1" noChangeArrowheads="1" noChangeShapeType="1" noTextEdit="1"/>
+            <a:spLocks noGrp="1"/>
           </p:cNvSpPr>
           <p:nvPr>
-            <p:extLst>
-              <p:ext uri="{386F3935-93C4-4BCD-93E2-E3B085C9AB24}">
-                <p16:designElem xmlns:p16="http://schemas.microsoft.com/office/powerpoint/2015/main" val="1"/>
-              </p:ext>
-            </p:extLst>
+            <p:ph idx="1"/>
           </p:nvPr>
         </p:nvSpPr>
         <p:spPr>
           <a:xfrm>
-            <a:off x="517869" y="508090"/>
-            <a:ext cx="11153214" cy="149279"/>
+            <a:off x="567934" y="2161914"/>
+            <a:ext cx="7695849" cy="3767328"/>
           </a:xfrm>
-          <a:custGeom>
-            <a:avLst/>
-            <a:gdLst>
-              <a:gd name="connsiteX0" fmla="*/ 0 w 8085002"/>
-              <a:gd name="connsiteY0" fmla="*/ 0 h 149279"/>
-              <a:gd name="connsiteX1" fmla="*/ 8085002 w 8085002"/>
-              <a:gd name="connsiteY1" fmla="*/ 0 h 149279"/>
-              <a:gd name="connsiteX2" fmla="*/ 8085002 w 8085002"/>
-              <a:gd name="connsiteY2" fmla="*/ 149279 h 149279"/>
-              <a:gd name="connsiteX3" fmla="*/ 0 w 8085002"/>
-              <a:gd name="connsiteY3" fmla="*/ 149279 h 149279"/>
-            </a:gdLst>
-            <a:ahLst/>
-            <a:cxnLst>
-              <a:cxn ang="0">
-                <a:pos x="connsiteX0" y="connsiteY0"/>
-              </a:cxn>
-              <a:cxn ang="0">
-                <a:pos x="connsiteX1" y="connsiteY1"/>
-              </a:cxn>
-              <a:cxn ang="0">
-                <a:pos x="connsiteX2" y="connsiteY2"/>
-              </a:cxn>
-              <a:cxn ang="0">
-                <a:pos x="connsiteX3" y="connsiteY3"/>
-              </a:cxn>
-            </a:cxnLst>
-            <a:rect l="l" t="t" r="r" b="b"/>
-            <a:pathLst>
-              <a:path w="8085002" h="149279">
-                <a:moveTo>
-                  <a:pt x="0" y="0"/>
-                </a:moveTo>
-                <a:lnTo>
-                  <a:pt x="8085002" y="0"/>
-                </a:lnTo>
-                <a:lnTo>
-                  <a:pt x="8085002" y="149279"/>
-                </a:lnTo>
-                <a:lnTo>
-                  <a:pt x="0" y="149279"/>
-                </a:lnTo>
-                <a:close/>
-              </a:path>
-            </a:pathLst>
-          </a:custGeom>
-          <a:solidFill>
-            <a:schemeClr val="tx1"/>
-          </a:solidFill>
-          <a:ln>
-            <a:noFill/>
-          </a:ln>
         </p:spPr>
-        <p:style>
-          <a:lnRef idx="2">
-            <a:schemeClr val="accent1">
-              <a:shade val="50000"/>
-            </a:schemeClr>
-          </a:lnRef>
-          <a:fillRef idx="1">
-            <a:schemeClr val="accent1"/>
-          </a:fillRef>
-          <a:effectRef idx="0">
-            <a:schemeClr val="accent1"/>
-          </a:effectRef>
-          <a:fontRef idx="minor">
-            <a:schemeClr val="lt1"/>
-          </a:fontRef>
-        </p:style>
         <p:txBody>
-          <a:bodyPr wrap="square" rtlCol="0" anchor="ctr">
-            <a:noAutofit/>
+          <a:bodyPr>
+            <a:normAutofit/>
           </a:bodyPr>
           <a:lstStyle/>
           <a:p>
-            <a:pPr algn="ctr"/>
-            <a:endParaRPr lang="en-US"/>
+            <a:pPr marL="0" indent="0">
+              <a:buNone/>
+            </a:pPr>
+            <a:r>
+              <a:rPr lang="hu-HU" sz="2400" dirty="0"/>
+              <a:t>A tantárgyhoz kapcsolódó anyagok és példaprogramok elérhetők az alábbi GitHub linken:</a:t>
+            </a:r>
+          </a:p>
+          <a:p>
+            <a:pPr marL="0" indent="0">
+              <a:buNone/>
+            </a:pPr>
+            <a:endParaRPr lang="hu-HU" dirty="0"/>
+          </a:p>
+          <a:p>
+            <a:pPr marL="0" indent="0">
+              <a:buNone/>
+            </a:pPr>
+            <a:r>
+              <a:rPr lang="hu-HU" sz="2400" dirty="0">
+                <a:hlinkClick r:id="rId2"/>
+              </a:rPr>
+              <a:t>https://github.com/zbalogh/oe-internetes-alkalmazasok</a:t>
+            </a:r>
+            <a:endParaRPr lang="hu-HU" sz="2400" dirty="0"/>
+          </a:p>
+          <a:p>
+            <a:pPr marL="0" indent="0">
+              <a:buNone/>
+            </a:pPr>
+            <a:endParaRPr lang="hu-HU" dirty="0"/>
           </a:p>
         </p:txBody>
       </p:sp>
-      <p:sp>
-        <p:nvSpPr>
-          <p:cNvPr id="24" name="Freeform: Shape 23">
+      <p:pic>
+        <p:nvPicPr>
+          <p:cNvPr id="5" name="Picture 4">
             <a:extLst>
               <a:ext uri="{FF2B5EF4-FFF2-40B4-BE49-F238E27FC236}">
-                <a16:creationId xmlns:a16="http://schemas.microsoft.com/office/drawing/2014/main" id="{E94E0531-D614-3CB6-996E-FF0184A33A54}"/>
-              </a:ext>
-              <a:ext uri="{C183D7F6-B498-43B3-948B-1728B52AA6E4}">
-                <adec:decorative xmlns:adec="http://schemas.microsoft.com/office/drawing/2017/decorative" val="1"/>
+                <a16:creationId xmlns:a16="http://schemas.microsoft.com/office/drawing/2014/main" id="{1D9CE131-709F-8000-6809-6F51AE690880}"/>
               </a:ext>
             </a:extLst>
           </p:cNvPr>
-          <p:cNvSpPr>
-            <a:spLocks noGrp="1" noRot="1" noChangeAspect="1" noMove="1" noResize="1" noEditPoints="1" noAdjustHandles="1" noChangeArrowheads="1" noChangeShapeType="1" noTextEdit="1"/>
-          </p:cNvSpPr>
-          <p:nvPr>
-            <p:extLst>
-              <p:ext uri="{386F3935-93C4-4BCD-93E2-E3B085C9AB24}">
-                <p16:designElem xmlns:p16="http://schemas.microsoft.com/office/powerpoint/2015/main" val="1"/>
-              </p:ext>
-            </p:extLst>
-          </p:nvPr>
-        </p:nvSpPr>
+          <p:cNvPicPr>
+            <a:picLocks noChangeAspect="1"/>
+          </p:cNvPicPr>
+          <p:nvPr/>
+        </p:nvPicPr>
+        <p:blipFill>
+          <a:blip r:embed="rId3">
+            <a:extLst>
+              <a:ext uri="{28A0092B-C50C-407E-A947-70E740481C1C}">
+                <a14:useLocalDpi xmlns:a14="http://schemas.microsoft.com/office/drawing/2010/main" val="0"/>
+              </a:ext>
+            </a:extLst>
+          </a:blip>
+          <a:stretch>
+            <a:fillRect/>
+          </a:stretch>
+        </p:blipFill>
         <p:spPr>
-          <a:xfrm>
-            <a:off x="517868" y="6300216"/>
-            <a:ext cx="11165482" cy="45719"/>
+          <a:xfrm flipH="1">
+            <a:off x="8492246" y="2161914"/>
+            <a:ext cx="3178835" cy="3178835"/>
           </a:xfrm>
-          <a:custGeom>
+          <a:prstGeom prst="rect">
             <a:avLst/>
-            <a:gdLst>
-              <a:gd name="connsiteX0" fmla="*/ 0 w 11165482"/>
-              <a:gd name="connsiteY0" fmla="*/ 0 h 45719"/>
-              <a:gd name="connsiteX1" fmla="*/ 3694525 w 11165482"/>
-              <a:gd name="connsiteY1" fmla="*/ 0 h 45719"/>
-              <a:gd name="connsiteX2" fmla="*/ 5021183 w 11165482"/>
-              <a:gd name="connsiteY2" fmla="*/ 0 h 45719"/>
-              <a:gd name="connsiteX3" fmla="*/ 6144299 w 11165482"/>
-              <a:gd name="connsiteY3" fmla="*/ 0 h 45719"/>
-              <a:gd name="connsiteX4" fmla="*/ 8715708 w 11165482"/>
-              <a:gd name="connsiteY4" fmla="*/ 0 h 45719"/>
-              <a:gd name="connsiteX5" fmla="*/ 11165482 w 11165482"/>
-              <a:gd name="connsiteY5" fmla="*/ 0 h 45719"/>
-              <a:gd name="connsiteX6" fmla="*/ 11165482 w 11165482"/>
-              <a:gd name="connsiteY6" fmla="*/ 45719 h 45719"/>
-              <a:gd name="connsiteX7" fmla="*/ 8715708 w 11165482"/>
-              <a:gd name="connsiteY7" fmla="*/ 45719 h 45719"/>
-              <a:gd name="connsiteX8" fmla="*/ 6144299 w 11165482"/>
-              <a:gd name="connsiteY8" fmla="*/ 45719 h 45719"/>
-              <a:gd name="connsiteX9" fmla="*/ 5021183 w 11165482"/>
-              <a:gd name="connsiteY9" fmla="*/ 45719 h 45719"/>
-              <a:gd name="connsiteX10" fmla="*/ 3694525 w 11165482"/>
-              <a:gd name="connsiteY10" fmla="*/ 45719 h 45719"/>
-              <a:gd name="connsiteX11" fmla="*/ 0 w 11165482"/>
-              <a:gd name="connsiteY11" fmla="*/ 45719 h 45719"/>
-              <a:gd name="connsiteX0" fmla="*/ 0 w 11165482"/>
-              <a:gd name="connsiteY0" fmla="*/ 0 h 45719"/>
-              <a:gd name="connsiteX1" fmla="*/ 3694525 w 11165482"/>
-              <a:gd name="connsiteY1" fmla="*/ 0 h 45719"/>
-              <a:gd name="connsiteX2" fmla="*/ 6144299 w 11165482"/>
-              <a:gd name="connsiteY2" fmla="*/ 0 h 45719"/>
-              <a:gd name="connsiteX3" fmla="*/ 8715708 w 11165482"/>
-              <a:gd name="connsiteY3" fmla="*/ 0 h 45719"/>
-              <a:gd name="connsiteX4" fmla="*/ 11165482 w 11165482"/>
-              <a:gd name="connsiteY4" fmla="*/ 0 h 45719"/>
-              <a:gd name="connsiteX5" fmla="*/ 11165482 w 11165482"/>
-              <a:gd name="connsiteY5" fmla="*/ 45719 h 45719"/>
-              <a:gd name="connsiteX6" fmla="*/ 8715708 w 11165482"/>
-              <a:gd name="connsiteY6" fmla="*/ 45719 h 45719"/>
-              <a:gd name="connsiteX7" fmla="*/ 6144299 w 11165482"/>
-              <a:gd name="connsiteY7" fmla="*/ 45719 h 45719"/>
-              <a:gd name="connsiteX8" fmla="*/ 5021183 w 11165482"/>
-              <a:gd name="connsiteY8" fmla="*/ 45719 h 45719"/>
-              <a:gd name="connsiteX9" fmla="*/ 3694525 w 11165482"/>
-              <a:gd name="connsiteY9" fmla="*/ 45719 h 45719"/>
-              <a:gd name="connsiteX10" fmla="*/ 0 w 11165482"/>
-              <a:gd name="connsiteY10" fmla="*/ 45719 h 45719"/>
-              <a:gd name="connsiteX11" fmla="*/ 0 w 11165482"/>
-              <a:gd name="connsiteY11" fmla="*/ 0 h 45719"/>
-              <a:gd name="connsiteX0" fmla="*/ 0 w 11165482"/>
-              <a:gd name="connsiteY0" fmla="*/ 0 h 45719"/>
-              <a:gd name="connsiteX1" fmla="*/ 3694525 w 11165482"/>
-              <a:gd name="connsiteY1" fmla="*/ 0 h 45719"/>
-              <a:gd name="connsiteX2" fmla="*/ 6144299 w 11165482"/>
-              <a:gd name="connsiteY2" fmla="*/ 0 h 45719"/>
-              <a:gd name="connsiteX3" fmla="*/ 8715708 w 11165482"/>
-              <a:gd name="connsiteY3" fmla="*/ 0 h 45719"/>
-              <a:gd name="connsiteX4" fmla="*/ 11165482 w 11165482"/>
-              <a:gd name="connsiteY4" fmla="*/ 0 h 45719"/>
-              <a:gd name="connsiteX5" fmla="*/ 11165482 w 11165482"/>
-              <a:gd name="connsiteY5" fmla="*/ 45719 h 45719"/>
-              <a:gd name="connsiteX6" fmla="*/ 8715708 w 11165482"/>
-              <a:gd name="connsiteY6" fmla="*/ 45719 h 45719"/>
-              <a:gd name="connsiteX7" fmla="*/ 6144299 w 11165482"/>
-              <a:gd name="connsiteY7" fmla="*/ 45719 h 45719"/>
-              <a:gd name="connsiteX8" fmla="*/ 5021183 w 11165482"/>
-              <a:gd name="connsiteY8" fmla="*/ 45719 h 45719"/>
-              <a:gd name="connsiteX9" fmla="*/ 0 w 11165482"/>
-              <a:gd name="connsiteY9" fmla="*/ 45719 h 45719"/>
-              <a:gd name="connsiteX10" fmla="*/ 0 w 11165482"/>
-              <a:gd name="connsiteY10" fmla="*/ 0 h 45719"/>
-              <a:gd name="connsiteX0" fmla="*/ 0 w 11165482"/>
-              <a:gd name="connsiteY0" fmla="*/ 0 h 45719"/>
-              <a:gd name="connsiteX1" fmla="*/ 6144299 w 11165482"/>
-              <a:gd name="connsiteY1" fmla="*/ 0 h 45719"/>
-              <a:gd name="connsiteX2" fmla="*/ 8715708 w 11165482"/>
-              <a:gd name="connsiteY2" fmla="*/ 0 h 45719"/>
-              <a:gd name="connsiteX3" fmla="*/ 11165482 w 11165482"/>
-              <a:gd name="connsiteY3" fmla="*/ 0 h 45719"/>
-              <a:gd name="connsiteX4" fmla="*/ 11165482 w 11165482"/>
-              <a:gd name="connsiteY4" fmla="*/ 45719 h 45719"/>
-              <a:gd name="connsiteX5" fmla="*/ 8715708 w 11165482"/>
-              <a:gd name="connsiteY5" fmla="*/ 45719 h 45719"/>
-              <a:gd name="connsiteX6" fmla="*/ 6144299 w 11165482"/>
-              <a:gd name="connsiteY6" fmla="*/ 45719 h 45719"/>
-              <a:gd name="connsiteX7" fmla="*/ 5021183 w 11165482"/>
-              <a:gd name="connsiteY7" fmla="*/ 45719 h 45719"/>
-              <a:gd name="connsiteX8" fmla="*/ 0 w 11165482"/>
-              <a:gd name="connsiteY8" fmla="*/ 45719 h 45719"/>
-              <a:gd name="connsiteX9" fmla="*/ 0 w 11165482"/>
-              <a:gd name="connsiteY9" fmla="*/ 0 h 45719"/>
-              <a:gd name="connsiteX0" fmla="*/ 0 w 11165482"/>
-              <a:gd name="connsiteY0" fmla="*/ 0 h 45719"/>
-              <a:gd name="connsiteX1" fmla="*/ 6144299 w 11165482"/>
-              <a:gd name="connsiteY1" fmla="*/ 0 h 45719"/>
-              <a:gd name="connsiteX2" fmla="*/ 8715708 w 11165482"/>
-              <a:gd name="connsiteY2" fmla="*/ 0 h 45719"/>
-              <a:gd name="connsiteX3" fmla="*/ 11165482 w 11165482"/>
-              <a:gd name="connsiteY3" fmla="*/ 0 h 45719"/>
-              <a:gd name="connsiteX4" fmla="*/ 11165482 w 11165482"/>
-              <a:gd name="connsiteY4" fmla="*/ 45719 h 45719"/>
-              <a:gd name="connsiteX5" fmla="*/ 8715708 w 11165482"/>
-              <a:gd name="connsiteY5" fmla="*/ 45719 h 45719"/>
-              <a:gd name="connsiteX6" fmla="*/ 5021183 w 11165482"/>
-              <a:gd name="connsiteY6" fmla="*/ 45719 h 45719"/>
-              <a:gd name="connsiteX7" fmla="*/ 0 w 11165482"/>
-              <a:gd name="connsiteY7" fmla="*/ 45719 h 45719"/>
-              <a:gd name="connsiteX8" fmla="*/ 0 w 11165482"/>
-              <a:gd name="connsiteY8" fmla="*/ 0 h 45719"/>
-              <a:gd name="connsiteX0" fmla="*/ 0 w 11165482"/>
-              <a:gd name="connsiteY0" fmla="*/ 0 h 45719"/>
-              <a:gd name="connsiteX1" fmla="*/ 8715708 w 11165482"/>
-              <a:gd name="connsiteY1" fmla="*/ 0 h 45719"/>
-              <a:gd name="connsiteX2" fmla="*/ 11165482 w 11165482"/>
-              <a:gd name="connsiteY2" fmla="*/ 0 h 45719"/>
-              <a:gd name="connsiteX3" fmla="*/ 11165482 w 11165482"/>
-              <a:gd name="connsiteY3" fmla="*/ 45719 h 45719"/>
-              <a:gd name="connsiteX4" fmla="*/ 8715708 w 11165482"/>
-              <a:gd name="connsiteY4" fmla="*/ 45719 h 45719"/>
-              <a:gd name="connsiteX5" fmla="*/ 5021183 w 11165482"/>
-              <a:gd name="connsiteY5" fmla="*/ 45719 h 45719"/>
-              <a:gd name="connsiteX6" fmla="*/ 0 w 11165482"/>
-              <a:gd name="connsiteY6" fmla="*/ 45719 h 45719"/>
-              <a:gd name="connsiteX7" fmla="*/ 0 w 11165482"/>
-              <a:gd name="connsiteY7" fmla="*/ 0 h 45719"/>
-              <a:gd name="connsiteX0" fmla="*/ 0 w 11165482"/>
-              <a:gd name="connsiteY0" fmla="*/ 0 h 45719"/>
-              <a:gd name="connsiteX1" fmla="*/ 8715708 w 11165482"/>
-              <a:gd name="connsiteY1" fmla="*/ 0 h 45719"/>
-              <a:gd name="connsiteX2" fmla="*/ 11165482 w 11165482"/>
-              <a:gd name="connsiteY2" fmla="*/ 0 h 45719"/>
-              <a:gd name="connsiteX3" fmla="*/ 11165482 w 11165482"/>
-              <a:gd name="connsiteY3" fmla="*/ 45719 h 45719"/>
-              <a:gd name="connsiteX4" fmla="*/ 8715708 w 11165482"/>
-              <a:gd name="connsiteY4" fmla="*/ 45719 h 45719"/>
-              <a:gd name="connsiteX5" fmla="*/ 0 w 11165482"/>
-              <a:gd name="connsiteY5" fmla="*/ 45719 h 45719"/>
-              <a:gd name="connsiteX6" fmla="*/ 0 w 11165482"/>
-              <a:gd name="connsiteY6" fmla="*/ 0 h 45719"/>
-              <a:gd name="connsiteX0" fmla="*/ 0 w 11165482"/>
-              <a:gd name="connsiteY0" fmla="*/ 0 h 45719"/>
-              <a:gd name="connsiteX1" fmla="*/ 8715708 w 11165482"/>
-              <a:gd name="connsiteY1" fmla="*/ 0 h 45719"/>
-              <a:gd name="connsiteX2" fmla="*/ 11165482 w 11165482"/>
-              <a:gd name="connsiteY2" fmla="*/ 0 h 45719"/>
-              <a:gd name="connsiteX3" fmla="*/ 11165482 w 11165482"/>
-              <a:gd name="connsiteY3" fmla="*/ 45719 h 45719"/>
-              <a:gd name="connsiteX4" fmla="*/ 0 w 11165482"/>
-              <a:gd name="connsiteY4" fmla="*/ 45719 h 45719"/>
-              <a:gd name="connsiteX5" fmla="*/ 0 w 11165482"/>
-              <a:gd name="connsiteY5" fmla="*/ 0 h 45719"/>
-              <a:gd name="connsiteX0" fmla="*/ 0 w 11165482"/>
-              <a:gd name="connsiteY0" fmla="*/ 0 h 45719"/>
-              <a:gd name="connsiteX1" fmla="*/ 11165482 w 11165482"/>
-              <a:gd name="connsiteY1" fmla="*/ 0 h 45719"/>
-              <a:gd name="connsiteX2" fmla="*/ 11165482 w 11165482"/>
-              <a:gd name="connsiteY2" fmla="*/ 45719 h 45719"/>
-              <a:gd name="connsiteX3" fmla="*/ 0 w 11165482"/>
-              <a:gd name="connsiteY3" fmla="*/ 45719 h 45719"/>
-              <a:gd name="connsiteX4" fmla="*/ 0 w 11165482"/>
-              <a:gd name="connsiteY4" fmla="*/ 0 h 45719"/>
-            </a:gdLst>
-            <a:ahLst/>
-            <a:cxnLst>
-              <a:cxn ang="0">
-                <a:pos x="connsiteX0" y="connsiteY0"/>
-              </a:cxn>
-              <a:cxn ang="0">
-                <a:pos x="connsiteX1" y="connsiteY1"/>
-              </a:cxn>
-              <a:cxn ang="0">
-                <a:pos x="connsiteX2" y="connsiteY2"/>
-              </a:cxn>
-              <a:cxn ang="0">
-                <a:pos x="connsiteX3" y="connsiteY3"/>
-              </a:cxn>
-              <a:cxn ang="0">
-                <a:pos x="connsiteX4" y="connsiteY4"/>
-              </a:cxn>
-            </a:cxnLst>
-            <a:rect l="l" t="t" r="r" b="b"/>
-            <a:pathLst>
-              <a:path w="11165482" h="45719">
-                <a:moveTo>
-                  <a:pt x="0" y="0"/>
-                </a:moveTo>
-                <a:lnTo>
-                  <a:pt x="11165482" y="0"/>
-                </a:lnTo>
-                <a:lnTo>
-                  <a:pt x="11165482" y="45719"/>
-                </a:lnTo>
-                <a:lnTo>
-                  <a:pt x="0" y="45719"/>
-                </a:lnTo>
-                <a:lnTo>
-                  <a:pt x="0" y="0"/>
-                </a:lnTo>
-                <a:close/>
-              </a:path>
-            </a:pathLst>
-          </a:custGeom>
-          <a:solidFill>
-            <a:schemeClr val="tx1"/>
-          </a:solidFill>
-          <a:ln>
-            <a:noFill/>
-          </a:ln>
+          </a:prstGeom>
         </p:spPr>
-        <p:style>
-          <a:lnRef idx="2">
-            <a:schemeClr val="accent1">
-              <a:shade val="50000"/>
-            </a:schemeClr>
-          </a:lnRef>
-          <a:fillRef idx="1">
-            <a:schemeClr val="accent1"/>
-          </a:fillRef>
-          <a:effectRef idx="0">
-            <a:schemeClr val="accent1"/>
-          </a:effectRef>
-          <a:fontRef idx="minor">
-            <a:schemeClr val="lt1"/>
-          </a:fontRef>
-        </p:style>
-        <p:txBody>
-          <a:bodyPr wrap="square" rtlCol="0" anchor="ctr">
-            <a:noAutofit/>
-          </a:bodyPr>
-          <a:lstStyle/>
-          <a:p>
-            <a:pPr algn="ctr"/>
-            <a:endParaRPr lang="en-US"/>
-          </a:p>
-        </p:txBody>
-      </p:sp>
+      </p:pic>
     </p:spTree>
     <p:extLst>
       <p:ext uri="{BB962C8B-B14F-4D97-AF65-F5344CB8AC3E}">
-        <p14:creationId xmlns:p14="http://schemas.microsoft.com/office/powerpoint/2010/main" val="4251574628"/>
+        <p14:creationId xmlns:p14="http://schemas.microsoft.com/office/powerpoint/2010/main" val="464779225"/>
       </p:ext>
     </p:extLst>
   </p:cSld>
   <p:clrMapOvr>
     <a:masterClrMapping/>
   </p:clrMapOvr>
-  <p:timing>
-    <p:tnLst>
-      <p:par>
-        <p:cTn id="1" dur="indefinite" restart="never" nodeType="tmRoot">
-          <p:childTnLst>
-            <p:seq concurrent="1" nextAc="seek">
-              <p:cTn id="2" dur="indefinite" nodeType="mainSeq">
-                <p:childTnLst>
-                  <p:par>
-                    <p:cTn id="3" fill="hold">
-                      <p:stCondLst>
-                        <p:cond delay="indefinite"/>
-                        <p:cond evt="onBegin" delay="0">
-                          <p:tn val="2"/>
-                        </p:cond>
-                      </p:stCondLst>
-                      <p:childTnLst>
-                        <p:par>
-                          <p:cTn id="4" fill="hold">
-                            <p:stCondLst>
-                              <p:cond delay="0"/>
-                            </p:stCondLst>
-                            <p:childTnLst>
-                              <p:par>
-                                <p:cTn id="5" presetID="10" presetClass="entr" presetSubtype="0" fill="hold" grpId="0" nodeType="withEffect">
-                                  <p:stCondLst>
-                                    <p:cond delay="1000"/>
-                                  </p:stCondLst>
-                                  <p:iterate>
-                                    <p:tmPct val="10000"/>
-                                  </p:iterate>
-                                  <p:childTnLst>
-                                    <p:set>
-                                      <p:cBhvr>
-                                        <p:cTn id="6" dur="1" fill="hold">
-                                          <p:stCondLst>
-                                            <p:cond delay="0"/>
-                                          </p:stCondLst>
-                                        </p:cTn>
-                                        <p:tgtEl>
-                                          <p:spTgt spid="2"/>
-                                        </p:tgtEl>
-                                        <p:attrNameLst>
-                                          <p:attrName>style.visibility</p:attrName>
-                                        </p:attrNameLst>
-                                      </p:cBhvr>
-                                      <p:to>
-                                        <p:strVal val="visible"/>
-                                      </p:to>
-                                    </p:set>
-                                    <p:animEffect transition="in" filter="fade">
-                                      <p:cBhvr>
-                                        <p:cTn id="7" dur="700"/>
-                                        <p:tgtEl>
-                                          <p:spTgt spid="2"/>
-                                        </p:tgtEl>
-                                      </p:cBhvr>
-                                    </p:animEffect>
-                                  </p:childTnLst>
-                                </p:cTn>
-                              </p:par>
-                            </p:childTnLst>
-                          </p:cTn>
-                        </p:par>
-                      </p:childTnLst>
-                    </p:cTn>
-                  </p:par>
-                </p:childTnLst>
-              </p:cTn>
-              <p:prevCondLst>
-                <p:cond evt="onPrev" delay="0">
-                  <p:tgtEl>
-                    <p:sldTgt/>
-                  </p:tgtEl>
-                </p:cond>
-              </p:prevCondLst>
-              <p:nextCondLst>
-                <p:cond evt="onNext" delay="0">
-                  <p:tgtEl>
-                    <p:sldTgt/>
-                  </p:tgtEl>
-                </p:cond>
-              </p:nextCondLst>
-            </p:seq>
-          </p:childTnLst>
-        </p:cTn>
-      </p:par>
-    </p:tnLst>
-    <p:bldLst>
-      <p:bldP spid="2" grpId="0"/>
-    </p:bldLst>
-  </p:timing>
 </p:sld>
 </file>
 
 <file path=ppt/slides/slide10.xml><?xml version="1.0" encoding="utf-8"?>
+<p:sld xmlns:a="http://schemas.openxmlformats.org/drawingml/2006/main" xmlns:r="http://schemas.openxmlformats.org/officeDocument/2006/relationships" xmlns:p="http://schemas.openxmlformats.org/presentationml/2006/main">
+  <p:cSld>
+    <p:spTree>
+      <p:nvGrpSpPr>
+        <p:cNvPr id="1" name=""/>
+        <p:cNvGrpSpPr/>
+        <p:nvPr/>
+      </p:nvGrpSpPr>
+      <p:grpSpPr>
+        <a:xfrm>
+          <a:off x="0" y="0"/>
+          <a:ext cx="0" cy="0"/>
+          <a:chOff x="0" y="0"/>
+          <a:chExt cx="0" cy="0"/>
+        </a:xfrm>
+      </p:grpSpPr>
+      <p:sp>
+        <p:nvSpPr>
+          <p:cNvPr id="2" name="Title 1">
+            <a:extLst>
+              <a:ext uri="{FF2B5EF4-FFF2-40B4-BE49-F238E27FC236}">
+                <a16:creationId xmlns:a16="http://schemas.microsoft.com/office/drawing/2014/main" id="{F46DFE1D-75F1-4A52-6AA9-8466809746C8}"/>
+              </a:ext>
+            </a:extLst>
+          </p:cNvPr>
+          <p:cNvSpPr>
+            <a:spLocks noGrp="1"/>
+          </p:cNvSpPr>
+          <p:nvPr>
+            <p:ph type="title"/>
+          </p:nvPr>
+        </p:nvSpPr>
+        <p:spPr>
+          <a:xfrm>
+            <a:off x="521208" y="978408"/>
+            <a:ext cx="11155680" cy="1128184"/>
+          </a:xfrm>
+        </p:spPr>
+        <p:txBody>
+          <a:bodyPr>
+            <a:normAutofit/>
+          </a:bodyPr>
+          <a:lstStyle/>
+          <a:p>
+            <a:r>
+              <a:rPr lang="hu-HU" sz="4000" dirty="0"/>
+              <a:t>HTTP/2 egyéb újdonságai</a:t>
+            </a:r>
+            <a:endParaRPr lang="en-US" sz="4000" dirty="0"/>
+          </a:p>
+        </p:txBody>
+      </p:sp>
+      <p:sp>
+        <p:nvSpPr>
+          <p:cNvPr id="3" name="Content Placeholder 2">
+            <a:extLst>
+              <a:ext uri="{FF2B5EF4-FFF2-40B4-BE49-F238E27FC236}">
+                <a16:creationId xmlns:a16="http://schemas.microsoft.com/office/drawing/2014/main" id="{B9FDFEAA-D8FD-659C-F843-028D3E57BEC0}"/>
+              </a:ext>
+            </a:extLst>
+          </p:cNvPr>
+          <p:cNvSpPr>
+            <a:spLocks noGrp="1"/>
+          </p:cNvSpPr>
+          <p:nvPr>
+            <p:ph idx="1"/>
+          </p:nvPr>
+        </p:nvSpPr>
+        <p:spPr>
+          <a:xfrm>
+            <a:off x="518160" y="2254517"/>
+            <a:ext cx="11155680" cy="3767328"/>
+          </a:xfrm>
+        </p:spPr>
+        <p:txBody>
+          <a:bodyPr>
+            <a:normAutofit/>
+          </a:bodyPr>
+          <a:lstStyle/>
+          <a:p>
+            <a:pPr>
+              <a:lnSpc>
+                <a:spcPct val="150000"/>
+              </a:lnSpc>
+            </a:pPr>
+            <a:r>
+              <a:rPr lang="hu-HU" sz="2400" b="1" dirty="0"/>
+              <a:t>HPACK</a:t>
+            </a:r>
+            <a:r>
+              <a:rPr lang="hu-HU" sz="2400" dirty="0"/>
+              <a:t>: </a:t>
+            </a:r>
+            <a:r>
+              <a:rPr lang="hu-HU" sz="2400" dirty="0" err="1"/>
+              <a:t>Header</a:t>
+            </a:r>
+            <a:r>
+              <a:rPr lang="hu-HU" sz="2400" dirty="0"/>
+              <a:t> </a:t>
+            </a:r>
+            <a:r>
+              <a:rPr lang="hu-HU" sz="2400" dirty="0" err="1"/>
+              <a:t>Compression</a:t>
+            </a:r>
+            <a:endParaRPr lang="hu-HU" sz="2400" dirty="0"/>
+          </a:p>
+          <a:p>
+            <a:pPr>
+              <a:lnSpc>
+                <a:spcPct val="150000"/>
+              </a:lnSpc>
+            </a:pPr>
+            <a:r>
+              <a:rPr lang="en-US" sz="2400" dirty="0"/>
+              <a:t>HPACK </a:t>
+            </a:r>
+            <a:r>
+              <a:rPr lang="en-US" sz="2400" b="1" dirty="0" err="1"/>
+              <a:t>tömöríti</a:t>
+            </a:r>
+            <a:r>
+              <a:rPr lang="en-US" sz="2400" dirty="0"/>
+              <a:t> </a:t>
+            </a:r>
+            <a:r>
+              <a:rPr lang="en-US" sz="2400" b="1" dirty="0"/>
+              <a:t>a</a:t>
+            </a:r>
+            <a:r>
+              <a:rPr lang="en-US" sz="2400" dirty="0"/>
+              <a:t> </a:t>
+            </a:r>
+            <a:r>
+              <a:rPr lang="en-US" sz="2400" b="1" dirty="0" err="1"/>
+              <a:t>fejléceket</a:t>
+            </a:r>
+            <a:r>
+              <a:rPr lang="hu-HU" sz="2400" dirty="0"/>
+              <a:t>, ezáltal j</a:t>
+            </a:r>
+            <a:r>
+              <a:rPr lang="en-US" sz="2400" dirty="0" err="1"/>
+              <a:t>elentős</a:t>
+            </a:r>
+            <a:r>
+              <a:rPr lang="en-US" sz="2400" dirty="0"/>
+              <a:t> </a:t>
+            </a:r>
+            <a:r>
+              <a:rPr lang="en-US" sz="2400" dirty="0" err="1"/>
+              <a:t>sávszélességcsökkenés</a:t>
+            </a:r>
+            <a:endParaRPr lang="hu-HU" sz="2400" dirty="0"/>
+          </a:p>
+          <a:p>
+            <a:pPr>
+              <a:lnSpc>
+                <a:spcPct val="150000"/>
+              </a:lnSpc>
+            </a:pPr>
+            <a:r>
+              <a:rPr lang="hu-HU" sz="2400" b="1" dirty="0" err="1"/>
+              <a:t>Stream</a:t>
+            </a:r>
+            <a:r>
+              <a:rPr lang="hu-HU" sz="2400" dirty="0"/>
+              <a:t> </a:t>
+            </a:r>
+            <a:r>
+              <a:rPr lang="hu-HU" sz="2400" b="1" dirty="0" err="1"/>
+              <a:t>priorítások</a:t>
+            </a:r>
+            <a:r>
+              <a:rPr lang="hu-HU" sz="2400" dirty="0"/>
+              <a:t>: böngésző közölheti, mi fontosabb</a:t>
+            </a:r>
+          </a:p>
+          <a:p>
+            <a:pPr>
+              <a:lnSpc>
+                <a:spcPct val="150000"/>
+              </a:lnSpc>
+            </a:pPr>
+            <a:r>
+              <a:rPr lang="en-US" sz="2400" b="1" dirty="0"/>
+              <a:t>Server Push</a:t>
+            </a:r>
+            <a:r>
+              <a:rPr lang="en-US" sz="2400" dirty="0"/>
+              <a:t>: </a:t>
+            </a:r>
+            <a:r>
+              <a:rPr lang="en-US" sz="2400" dirty="0" err="1"/>
+              <a:t>előre</a:t>
+            </a:r>
+            <a:r>
+              <a:rPr lang="en-US" sz="2400" dirty="0"/>
+              <a:t> </a:t>
+            </a:r>
+            <a:r>
+              <a:rPr lang="en-US" sz="2400" dirty="0" err="1"/>
+              <a:t>küldött</a:t>
+            </a:r>
+            <a:r>
+              <a:rPr lang="en-US" sz="2400" dirty="0"/>
+              <a:t> </a:t>
+            </a:r>
+            <a:r>
+              <a:rPr lang="en-US" sz="2400" dirty="0" err="1"/>
+              <a:t>erőforrások</a:t>
+            </a:r>
+            <a:endParaRPr lang="en-US" sz="2400" dirty="0"/>
+          </a:p>
+        </p:txBody>
+      </p:sp>
+    </p:spTree>
+    <p:extLst>
+      <p:ext uri="{BB962C8B-B14F-4D97-AF65-F5344CB8AC3E}">
+        <p14:creationId xmlns:p14="http://schemas.microsoft.com/office/powerpoint/2010/main" val="1368436067"/>
+      </p:ext>
+    </p:extLst>
+  </p:cSld>
+  <p:clrMapOvr>
+    <a:masterClrMapping/>
+  </p:clrMapOvr>
+</p:sld>
+</file>
+
+<file path=ppt/slides/slide11.xml><?xml version="1.0" encoding="utf-8"?>
 <p:sld xmlns:a="http://schemas.openxmlformats.org/drawingml/2006/main" xmlns:r="http://schemas.openxmlformats.org/officeDocument/2006/relationships" xmlns:p="http://schemas.openxmlformats.org/presentationml/2006/main">
   <p:cSld>
     <p:spTree>
@@ -10769,7 +10551,7 @@
 </p:sld>
 </file>
 
-<file path=ppt/slides/slide11.xml><?xml version="1.0" encoding="utf-8"?>
+<file path=ppt/slides/slide12.xml><?xml version="1.0" encoding="utf-8"?>
 <p:sld xmlns:a="http://schemas.openxmlformats.org/drawingml/2006/main" xmlns:r="http://schemas.openxmlformats.org/officeDocument/2006/relationships" xmlns:p="http://schemas.openxmlformats.org/presentationml/2006/main">
   <p:cSld>
     <p:spTree>
@@ -11066,7 +10848,7 @@
 </p:sld>
 </file>
 
-<file path=ppt/slides/slide12.xml><?xml version="1.0" encoding="utf-8"?>
+<file path=ppt/slides/slide13.xml><?xml version="1.0" encoding="utf-8"?>
 <p:sld xmlns:a="http://schemas.openxmlformats.org/drawingml/2006/main" xmlns:r="http://schemas.openxmlformats.org/officeDocument/2006/relationships" xmlns:p="http://schemas.openxmlformats.org/presentationml/2006/main">
   <p:cSld>
     <p:spTree>
@@ -11358,7 +11140,7 @@
 </p:sld>
 </file>
 
-<file path=ppt/slides/slide13.xml><?xml version="1.0" encoding="utf-8"?>
+<file path=ppt/slides/slide14.xml><?xml version="1.0" encoding="utf-8"?>
 <p:sld xmlns:a="http://schemas.openxmlformats.org/drawingml/2006/main" xmlns:r="http://schemas.openxmlformats.org/officeDocument/2006/relationships" xmlns:p="http://schemas.openxmlformats.org/presentationml/2006/main">
   <p:cSld>
     <p:spTree>
@@ -11450,7 +11232,7 @@
 </p:sld>
 </file>
 
-<file path=ppt/slides/slide14.xml><?xml version="1.0" encoding="utf-8"?>
+<file path=ppt/slides/slide15.xml><?xml version="1.0" encoding="utf-8"?>
 <p:sld xmlns:a="http://schemas.openxmlformats.org/drawingml/2006/main" xmlns:r="http://schemas.openxmlformats.org/officeDocument/2006/relationships" xmlns:p="http://schemas.openxmlformats.org/presentationml/2006/main">
   <p:cSld>
     <p:spTree>
@@ -11693,7 +11475,7 @@
 </p:sld>
 </file>
 
-<file path=ppt/slides/slide15.xml><?xml version="1.0" encoding="utf-8"?>
+<file path=ppt/slides/slide16.xml><?xml version="1.0" encoding="utf-8"?>
 <p:sld xmlns:a="http://schemas.openxmlformats.org/drawingml/2006/main" xmlns:r="http://schemas.openxmlformats.org/officeDocument/2006/relationships" xmlns:p="http://schemas.openxmlformats.org/presentationml/2006/main">
   <p:cSld>
     <p:spTree>
@@ -12732,7 +12514,7 @@
 </p:sld>
 </file>
 
-<file path=ppt/slides/slide16.xml><?xml version="1.0" encoding="utf-8"?>
+<file path=ppt/slides/slide17.xml><?xml version="1.0" encoding="utf-8"?>
 <p:sld xmlns:a="http://schemas.openxmlformats.org/drawingml/2006/main" xmlns:r="http://schemas.openxmlformats.org/officeDocument/2006/relationships" xmlns:p="http://schemas.openxmlformats.org/presentationml/2006/main">
   <p:cSld>
     <p:spTree>
@@ -12909,7 +12691,7 @@
 </p:sld>
 </file>
 
-<file path=ppt/slides/slide17.xml><?xml version="1.0" encoding="utf-8"?>
+<file path=ppt/slides/slide18.xml><?xml version="1.0" encoding="utf-8"?>
 <p:sld xmlns:a="http://schemas.openxmlformats.org/drawingml/2006/main" xmlns:r="http://schemas.openxmlformats.org/officeDocument/2006/relationships" xmlns:p="http://schemas.openxmlformats.org/presentationml/2006/main">
   <p:cSld>
     <p:spTree>
@@ -13138,6 +12920,623 @@
 <file path=ppt/slides/slide2.xml><?xml version="1.0" encoding="utf-8"?>
 <p:sld xmlns:a="http://schemas.openxmlformats.org/drawingml/2006/main" xmlns:r="http://schemas.openxmlformats.org/officeDocument/2006/relationships" xmlns:p="http://schemas.openxmlformats.org/presentationml/2006/main">
   <p:cSld>
+    <p:bg>
+      <p:bgPr>
+        <a:solidFill>
+          <a:schemeClr val="bg1"/>
+        </a:solidFill>
+        <a:effectLst/>
+      </p:bgPr>
+    </p:bg>
+    <p:spTree>
+      <p:nvGrpSpPr>
+        <p:cNvPr id="1" name=""/>
+        <p:cNvGrpSpPr/>
+        <p:nvPr/>
+      </p:nvGrpSpPr>
+      <p:grpSpPr>
+        <a:xfrm>
+          <a:off x="0" y="0"/>
+          <a:ext cx="0" cy="0"/>
+          <a:chOff x="0" y="0"/>
+          <a:chExt cx="0" cy="0"/>
+        </a:xfrm>
+      </p:grpSpPr>
+      <p:sp useBgFill="1">
+        <p:nvSpPr>
+          <p:cNvPr id="20" name="Rectangle 19">
+            <a:extLst>
+              <a:ext uri="{FF2B5EF4-FFF2-40B4-BE49-F238E27FC236}">
+                <a16:creationId xmlns:a16="http://schemas.microsoft.com/office/drawing/2014/main" id="{FAF3766F-DEF3-4802-BB0D-7A18EDD9704F}"/>
+              </a:ext>
+              <a:ext uri="{C183D7F6-B498-43B3-948B-1728B52AA6E4}">
+                <adec:decorative xmlns:adec="http://schemas.microsoft.com/office/drawing/2017/decorative" val="1"/>
+              </a:ext>
+            </a:extLst>
+          </p:cNvPr>
+          <p:cNvSpPr>
+            <a:spLocks noGrp="1" noRot="1" noChangeAspect="1" noMove="1" noResize="1" noEditPoints="1" noAdjustHandles="1" noChangeArrowheads="1" noChangeShapeType="1" noTextEdit="1"/>
+          </p:cNvSpPr>
+          <p:nvPr>
+            <p:extLst>
+              <p:ext uri="{386F3935-93C4-4BCD-93E2-E3B085C9AB24}">
+                <p16:designElem xmlns:p16="http://schemas.microsoft.com/office/powerpoint/2015/main" val="1"/>
+              </p:ext>
+            </p:extLst>
+          </p:nvPr>
+        </p:nvSpPr>
+        <p:spPr>
+          <a:xfrm>
+            <a:off x="0" y="0"/>
+            <a:ext cx="12188952" cy="6857995"/>
+          </a:xfrm>
+          <a:prstGeom prst="rect">
+            <a:avLst/>
+          </a:prstGeom>
+          <a:ln>
+            <a:noFill/>
+          </a:ln>
+        </p:spPr>
+        <p:style>
+          <a:lnRef idx="2">
+            <a:schemeClr val="accent1">
+              <a:shade val="50000"/>
+            </a:schemeClr>
+          </a:lnRef>
+          <a:fillRef idx="1">
+            <a:schemeClr val="accent1"/>
+          </a:fillRef>
+          <a:effectRef idx="0">
+            <a:schemeClr val="accent1"/>
+          </a:effectRef>
+          <a:fontRef idx="minor">
+            <a:schemeClr val="lt1"/>
+          </a:fontRef>
+        </p:style>
+        <p:txBody>
+          <a:bodyPr rtlCol="0" anchor="ctr"/>
+          <a:lstStyle/>
+          <a:p>
+            <a:pPr algn="ctr"/>
+            <a:endParaRPr lang="en-US" dirty="0"/>
+          </a:p>
+        </p:txBody>
+      </p:sp>
+      <p:sp>
+        <p:nvSpPr>
+          <p:cNvPr id="2" name="Title 1">
+            <a:extLst>
+              <a:ext uri="{FF2B5EF4-FFF2-40B4-BE49-F238E27FC236}">
+                <a16:creationId xmlns:a16="http://schemas.microsoft.com/office/drawing/2014/main" id="{07612390-7FD9-3A7E-F78F-3E71606EA902}"/>
+              </a:ext>
+            </a:extLst>
+          </p:cNvPr>
+          <p:cNvSpPr>
+            <a:spLocks noGrp="1"/>
+          </p:cNvSpPr>
+          <p:nvPr>
+            <p:ph type="ctrTitle"/>
+          </p:nvPr>
+        </p:nvSpPr>
+        <p:spPr>
+          <a:xfrm>
+            <a:off x="517868" y="1052996"/>
+            <a:ext cx="11165482" cy="2425796"/>
+          </a:xfrm>
+        </p:spPr>
+        <p:txBody>
+          <a:bodyPr anchor="b">
+            <a:normAutofit fontScale="90000"/>
+          </a:bodyPr>
+          <a:lstStyle/>
+          <a:p>
+            <a:pPr>
+              <a:lnSpc>
+                <a:spcPct val="90000"/>
+              </a:lnSpc>
+            </a:pPr>
+            <a:r>
+              <a:rPr lang="hu-HU" sz="4400" dirty="0"/>
+              <a:t>A webes kommunikáció fejlődése és modern protokollok működése</a:t>
+            </a:r>
+            <a:br>
+              <a:rPr lang="hu-HU" sz="3600" dirty="0"/>
+            </a:br>
+            <a:br>
+              <a:rPr lang="hu-HU" sz="3600" dirty="0"/>
+            </a:br>
+            <a:br>
+              <a:rPr lang="hu-HU" sz="3600" dirty="0"/>
+            </a:br>
+            <a:r>
+              <a:rPr lang="en-US" sz="2200" dirty="0"/>
+              <a:t>HTTP/1.1 → HTTP/2 → HTTP/3</a:t>
+            </a:r>
+          </a:p>
+        </p:txBody>
+      </p:sp>
+      <p:sp>
+        <p:nvSpPr>
+          <p:cNvPr id="22" name="Freeform: Shape 21">
+            <a:extLst>
+              <a:ext uri="{FF2B5EF4-FFF2-40B4-BE49-F238E27FC236}">
+                <a16:creationId xmlns:a16="http://schemas.microsoft.com/office/drawing/2014/main" id="{BD0C058D-27D4-3139-E199-E2C11099B62C}"/>
+              </a:ext>
+              <a:ext uri="{C183D7F6-B498-43B3-948B-1728B52AA6E4}">
+                <adec:decorative xmlns:adec="http://schemas.microsoft.com/office/drawing/2017/decorative" val="1"/>
+              </a:ext>
+            </a:extLst>
+          </p:cNvPr>
+          <p:cNvSpPr>
+            <a:spLocks noGrp="1" noRot="1" noChangeAspect="1" noMove="1" noResize="1" noEditPoints="1" noAdjustHandles="1" noChangeArrowheads="1" noChangeShapeType="1" noTextEdit="1"/>
+          </p:cNvSpPr>
+          <p:nvPr>
+            <p:extLst>
+              <p:ext uri="{386F3935-93C4-4BCD-93E2-E3B085C9AB24}">
+                <p16:designElem xmlns:p16="http://schemas.microsoft.com/office/powerpoint/2015/main" val="1"/>
+              </p:ext>
+            </p:extLst>
+          </p:nvPr>
+        </p:nvSpPr>
+        <p:spPr>
+          <a:xfrm>
+            <a:off x="517869" y="508090"/>
+            <a:ext cx="11153214" cy="149279"/>
+          </a:xfrm>
+          <a:custGeom>
+            <a:avLst/>
+            <a:gdLst>
+              <a:gd name="connsiteX0" fmla="*/ 0 w 8085002"/>
+              <a:gd name="connsiteY0" fmla="*/ 0 h 149279"/>
+              <a:gd name="connsiteX1" fmla="*/ 8085002 w 8085002"/>
+              <a:gd name="connsiteY1" fmla="*/ 0 h 149279"/>
+              <a:gd name="connsiteX2" fmla="*/ 8085002 w 8085002"/>
+              <a:gd name="connsiteY2" fmla="*/ 149279 h 149279"/>
+              <a:gd name="connsiteX3" fmla="*/ 0 w 8085002"/>
+              <a:gd name="connsiteY3" fmla="*/ 149279 h 149279"/>
+            </a:gdLst>
+            <a:ahLst/>
+            <a:cxnLst>
+              <a:cxn ang="0">
+                <a:pos x="connsiteX0" y="connsiteY0"/>
+              </a:cxn>
+              <a:cxn ang="0">
+                <a:pos x="connsiteX1" y="connsiteY1"/>
+              </a:cxn>
+              <a:cxn ang="0">
+                <a:pos x="connsiteX2" y="connsiteY2"/>
+              </a:cxn>
+              <a:cxn ang="0">
+                <a:pos x="connsiteX3" y="connsiteY3"/>
+              </a:cxn>
+            </a:cxnLst>
+            <a:rect l="l" t="t" r="r" b="b"/>
+            <a:pathLst>
+              <a:path w="8085002" h="149279">
+                <a:moveTo>
+                  <a:pt x="0" y="0"/>
+                </a:moveTo>
+                <a:lnTo>
+                  <a:pt x="8085002" y="0"/>
+                </a:lnTo>
+                <a:lnTo>
+                  <a:pt x="8085002" y="149279"/>
+                </a:lnTo>
+                <a:lnTo>
+                  <a:pt x="0" y="149279"/>
+                </a:lnTo>
+                <a:close/>
+              </a:path>
+            </a:pathLst>
+          </a:custGeom>
+          <a:solidFill>
+            <a:schemeClr val="tx1"/>
+          </a:solidFill>
+          <a:ln>
+            <a:noFill/>
+          </a:ln>
+        </p:spPr>
+        <p:style>
+          <a:lnRef idx="2">
+            <a:schemeClr val="accent1">
+              <a:shade val="50000"/>
+            </a:schemeClr>
+          </a:lnRef>
+          <a:fillRef idx="1">
+            <a:schemeClr val="accent1"/>
+          </a:fillRef>
+          <a:effectRef idx="0">
+            <a:schemeClr val="accent1"/>
+          </a:effectRef>
+          <a:fontRef idx="minor">
+            <a:schemeClr val="lt1"/>
+          </a:fontRef>
+        </p:style>
+        <p:txBody>
+          <a:bodyPr wrap="square" rtlCol="0" anchor="ctr">
+            <a:noAutofit/>
+          </a:bodyPr>
+          <a:lstStyle/>
+          <a:p>
+            <a:pPr algn="ctr"/>
+            <a:endParaRPr lang="en-US"/>
+          </a:p>
+        </p:txBody>
+      </p:sp>
+      <p:sp>
+        <p:nvSpPr>
+          <p:cNvPr id="24" name="Freeform: Shape 23">
+            <a:extLst>
+              <a:ext uri="{FF2B5EF4-FFF2-40B4-BE49-F238E27FC236}">
+                <a16:creationId xmlns:a16="http://schemas.microsoft.com/office/drawing/2014/main" id="{E94E0531-D614-3CB6-996E-FF0184A33A54}"/>
+              </a:ext>
+              <a:ext uri="{C183D7F6-B498-43B3-948B-1728B52AA6E4}">
+                <adec:decorative xmlns:adec="http://schemas.microsoft.com/office/drawing/2017/decorative" val="1"/>
+              </a:ext>
+            </a:extLst>
+          </p:cNvPr>
+          <p:cNvSpPr>
+            <a:spLocks noGrp="1" noRot="1" noChangeAspect="1" noMove="1" noResize="1" noEditPoints="1" noAdjustHandles="1" noChangeArrowheads="1" noChangeShapeType="1" noTextEdit="1"/>
+          </p:cNvSpPr>
+          <p:nvPr>
+            <p:extLst>
+              <p:ext uri="{386F3935-93C4-4BCD-93E2-E3B085C9AB24}">
+                <p16:designElem xmlns:p16="http://schemas.microsoft.com/office/powerpoint/2015/main" val="1"/>
+              </p:ext>
+            </p:extLst>
+          </p:nvPr>
+        </p:nvSpPr>
+        <p:spPr>
+          <a:xfrm>
+            <a:off x="517868" y="6300216"/>
+            <a:ext cx="11165482" cy="45719"/>
+          </a:xfrm>
+          <a:custGeom>
+            <a:avLst/>
+            <a:gdLst>
+              <a:gd name="connsiteX0" fmla="*/ 0 w 11165482"/>
+              <a:gd name="connsiteY0" fmla="*/ 0 h 45719"/>
+              <a:gd name="connsiteX1" fmla="*/ 3694525 w 11165482"/>
+              <a:gd name="connsiteY1" fmla="*/ 0 h 45719"/>
+              <a:gd name="connsiteX2" fmla="*/ 5021183 w 11165482"/>
+              <a:gd name="connsiteY2" fmla="*/ 0 h 45719"/>
+              <a:gd name="connsiteX3" fmla="*/ 6144299 w 11165482"/>
+              <a:gd name="connsiteY3" fmla="*/ 0 h 45719"/>
+              <a:gd name="connsiteX4" fmla="*/ 8715708 w 11165482"/>
+              <a:gd name="connsiteY4" fmla="*/ 0 h 45719"/>
+              <a:gd name="connsiteX5" fmla="*/ 11165482 w 11165482"/>
+              <a:gd name="connsiteY5" fmla="*/ 0 h 45719"/>
+              <a:gd name="connsiteX6" fmla="*/ 11165482 w 11165482"/>
+              <a:gd name="connsiteY6" fmla="*/ 45719 h 45719"/>
+              <a:gd name="connsiteX7" fmla="*/ 8715708 w 11165482"/>
+              <a:gd name="connsiteY7" fmla="*/ 45719 h 45719"/>
+              <a:gd name="connsiteX8" fmla="*/ 6144299 w 11165482"/>
+              <a:gd name="connsiteY8" fmla="*/ 45719 h 45719"/>
+              <a:gd name="connsiteX9" fmla="*/ 5021183 w 11165482"/>
+              <a:gd name="connsiteY9" fmla="*/ 45719 h 45719"/>
+              <a:gd name="connsiteX10" fmla="*/ 3694525 w 11165482"/>
+              <a:gd name="connsiteY10" fmla="*/ 45719 h 45719"/>
+              <a:gd name="connsiteX11" fmla="*/ 0 w 11165482"/>
+              <a:gd name="connsiteY11" fmla="*/ 45719 h 45719"/>
+              <a:gd name="connsiteX0" fmla="*/ 0 w 11165482"/>
+              <a:gd name="connsiteY0" fmla="*/ 0 h 45719"/>
+              <a:gd name="connsiteX1" fmla="*/ 3694525 w 11165482"/>
+              <a:gd name="connsiteY1" fmla="*/ 0 h 45719"/>
+              <a:gd name="connsiteX2" fmla="*/ 6144299 w 11165482"/>
+              <a:gd name="connsiteY2" fmla="*/ 0 h 45719"/>
+              <a:gd name="connsiteX3" fmla="*/ 8715708 w 11165482"/>
+              <a:gd name="connsiteY3" fmla="*/ 0 h 45719"/>
+              <a:gd name="connsiteX4" fmla="*/ 11165482 w 11165482"/>
+              <a:gd name="connsiteY4" fmla="*/ 0 h 45719"/>
+              <a:gd name="connsiteX5" fmla="*/ 11165482 w 11165482"/>
+              <a:gd name="connsiteY5" fmla="*/ 45719 h 45719"/>
+              <a:gd name="connsiteX6" fmla="*/ 8715708 w 11165482"/>
+              <a:gd name="connsiteY6" fmla="*/ 45719 h 45719"/>
+              <a:gd name="connsiteX7" fmla="*/ 6144299 w 11165482"/>
+              <a:gd name="connsiteY7" fmla="*/ 45719 h 45719"/>
+              <a:gd name="connsiteX8" fmla="*/ 5021183 w 11165482"/>
+              <a:gd name="connsiteY8" fmla="*/ 45719 h 45719"/>
+              <a:gd name="connsiteX9" fmla="*/ 3694525 w 11165482"/>
+              <a:gd name="connsiteY9" fmla="*/ 45719 h 45719"/>
+              <a:gd name="connsiteX10" fmla="*/ 0 w 11165482"/>
+              <a:gd name="connsiteY10" fmla="*/ 45719 h 45719"/>
+              <a:gd name="connsiteX11" fmla="*/ 0 w 11165482"/>
+              <a:gd name="connsiteY11" fmla="*/ 0 h 45719"/>
+              <a:gd name="connsiteX0" fmla="*/ 0 w 11165482"/>
+              <a:gd name="connsiteY0" fmla="*/ 0 h 45719"/>
+              <a:gd name="connsiteX1" fmla="*/ 3694525 w 11165482"/>
+              <a:gd name="connsiteY1" fmla="*/ 0 h 45719"/>
+              <a:gd name="connsiteX2" fmla="*/ 6144299 w 11165482"/>
+              <a:gd name="connsiteY2" fmla="*/ 0 h 45719"/>
+              <a:gd name="connsiteX3" fmla="*/ 8715708 w 11165482"/>
+              <a:gd name="connsiteY3" fmla="*/ 0 h 45719"/>
+              <a:gd name="connsiteX4" fmla="*/ 11165482 w 11165482"/>
+              <a:gd name="connsiteY4" fmla="*/ 0 h 45719"/>
+              <a:gd name="connsiteX5" fmla="*/ 11165482 w 11165482"/>
+              <a:gd name="connsiteY5" fmla="*/ 45719 h 45719"/>
+              <a:gd name="connsiteX6" fmla="*/ 8715708 w 11165482"/>
+              <a:gd name="connsiteY6" fmla="*/ 45719 h 45719"/>
+              <a:gd name="connsiteX7" fmla="*/ 6144299 w 11165482"/>
+              <a:gd name="connsiteY7" fmla="*/ 45719 h 45719"/>
+              <a:gd name="connsiteX8" fmla="*/ 5021183 w 11165482"/>
+              <a:gd name="connsiteY8" fmla="*/ 45719 h 45719"/>
+              <a:gd name="connsiteX9" fmla="*/ 0 w 11165482"/>
+              <a:gd name="connsiteY9" fmla="*/ 45719 h 45719"/>
+              <a:gd name="connsiteX10" fmla="*/ 0 w 11165482"/>
+              <a:gd name="connsiteY10" fmla="*/ 0 h 45719"/>
+              <a:gd name="connsiteX0" fmla="*/ 0 w 11165482"/>
+              <a:gd name="connsiteY0" fmla="*/ 0 h 45719"/>
+              <a:gd name="connsiteX1" fmla="*/ 6144299 w 11165482"/>
+              <a:gd name="connsiteY1" fmla="*/ 0 h 45719"/>
+              <a:gd name="connsiteX2" fmla="*/ 8715708 w 11165482"/>
+              <a:gd name="connsiteY2" fmla="*/ 0 h 45719"/>
+              <a:gd name="connsiteX3" fmla="*/ 11165482 w 11165482"/>
+              <a:gd name="connsiteY3" fmla="*/ 0 h 45719"/>
+              <a:gd name="connsiteX4" fmla="*/ 11165482 w 11165482"/>
+              <a:gd name="connsiteY4" fmla="*/ 45719 h 45719"/>
+              <a:gd name="connsiteX5" fmla="*/ 8715708 w 11165482"/>
+              <a:gd name="connsiteY5" fmla="*/ 45719 h 45719"/>
+              <a:gd name="connsiteX6" fmla="*/ 6144299 w 11165482"/>
+              <a:gd name="connsiteY6" fmla="*/ 45719 h 45719"/>
+              <a:gd name="connsiteX7" fmla="*/ 5021183 w 11165482"/>
+              <a:gd name="connsiteY7" fmla="*/ 45719 h 45719"/>
+              <a:gd name="connsiteX8" fmla="*/ 0 w 11165482"/>
+              <a:gd name="connsiteY8" fmla="*/ 45719 h 45719"/>
+              <a:gd name="connsiteX9" fmla="*/ 0 w 11165482"/>
+              <a:gd name="connsiteY9" fmla="*/ 0 h 45719"/>
+              <a:gd name="connsiteX0" fmla="*/ 0 w 11165482"/>
+              <a:gd name="connsiteY0" fmla="*/ 0 h 45719"/>
+              <a:gd name="connsiteX1" fmla="*/ 6144299 w 11165482"/>
+              <a:gd name="connsiteY1" fmla="*/ 0 h 45719"/>
+              <a:gd name="connsiteX2" fmla="*/ 8715708 w 11165482"/>
+              <a:gd name="connsiteY2" fmla="*/ 0 h 45719"/>
+              <a:gd name="connsiteX3" fmla="*/ 11165482 w 11165482"/>
+              <a:gd name="connsiteY3" fmla="*/ 0 h 45719"/>
+              <a:gd name="connsiteX4" fmla="*/ 11165482 w 11165482"/>
+              <a:gd name="connsiteY4" fmla="*/ 45719 h 45719"/>
+              <a:gd name="connsiteX5" fmla="*/ 8715708 w 11165482"/>
+              <a:gd name="connsiteY5" fmla="*/ 45719 h 45719"/>
+              <a:gd name="connsiteX6" fmla="*/ 5021183 w 11165482"/>
+              <a:gd name="connsiteY6" fmla="*/ 45719 h 45719"/>
+              <a:gd name="connsiteX7" fmla="*/ 0 w 11165482"/>
+              <a:gd name="connsiteY7" fmla="*/ 45719 h 45719"/>
+              <a:gd name="connsiteX8" fmla="*/ 0 w 11165482"/>
+              <a:gd name="connsiteY8" fmla="*/ 0 h 45719"/>
+              <a:gd name="connsiteX0" fmla="*/ 0 w 11165482"/>
+              <a:gd name="connsiteY0" fmla="*/ 0 h 45719"/>
+              <a:gd name="connsiteX1" fmla="*/ 8715708 w 11165482"/>
+              <a:gd name="connsiteY1" fmla="*/ 0 h 45719"/>
+              <a:gd name="connsiteX2" fmla="*/ 11165482 w 11165482"/>
+              <a:gd name="connsiteY2" fmla="*/ 0 h 45719"/>
+              <a:gd name="connsiteX3" fmla="*/ 11165482 w 11165482"/>
+              <a:gd name="connsiteY3" fmla="*/ 45719 h 45719"/>
+              <a:gd name="connsiteX4" fmla="*/ 8715708 w 11165482"/>
+              <a:gd name="connsiteY4" fmla="*/ 45719 h 45719"/>
+              <a:gd name="connsiteX5" fmla="*/ 5021183 w 11165482"/>
+              <a:gd name="connsiteY5" fmla="*/ 45719 h 45719"/>
+              <a:gd name="connsiteX6" fmla="*/ 0 w 11165482"/>
+              <a:gd name="connsiteY6" fmla="*/ 45719 h 45719"/>
+              <a:gd name="connsiteX7" fmla="*/ 0 w 11165482"/>
+              <a:gd name="connsiteY7" fmla="*/ 0 h 45719"/>
+              <a:gd name="connsiteX0" fmla="*/ 0 w 11165482"/>
+              <a:gd name="connsiteY0" fmla="*/ 0 h 45719"/>
+              <a:gd name="connsiteX1" fmla="*/ 8715708 w 11165482"/>
+              <a:gd name="connsiteY1" fmla="*/ 0 h 45719"/>
+              <a:gd name="connsiteX2" fmla="*/ 11165482 w 11165482"/>
+              <a:gd name="connsiteY2" fmla="*/ 0 h 45719"/>
+              <a:gd name="connsiteX3" fmla="*/ 11165482 w 11165482"/>
+              <a:gd name="connsiteY3" fmla="*/ 45719 h 45719"/>
+              <a:gd name="connsiteX4" fmla="*/ 8715708 w 11165482"/>
+              <a:gd name="connsiteY4" fmla="*/ 45719 h 45719"/>
+              <a:gd name="connsiteX5" fmla="*/ 0 w 11165482"/>
+              <a:gd name="connsiteY5" fmla="*/ 45719 h 45719"/>
+              <a:gd name="connsiteX6" fmla="*/ 0 w 11165482"/>
+              <a:gd name="connsiteY6" fmla="*/ 0 h 45719"/>
+              <a:gd name="connsiteX0" fmla="*/ 0 w 11165482"/>
+              <a:gd name="connsiteY0" fmla="*/ 0 h 45719"/>
+              <a:gd name="connsiteX1" fmla="*/ 8715708 w 11165482"/>
+              <a:gd name="connsiteY1" fmla="*/ 0 h 45719"/>
+              <a:gd name="connsiteX2" fmla="*/ 11165482 w 11165482"/>
+              <a:gd name="connsiteY2" fmla="*/ 0 h 45719"/>
+              <a:gd name="connsiteX3" fmla="*/ 11165482 w 11165482"/>
+              <a:gd name="connsiteY3" fmla="*/ 45719 h 45719"/>
+              <a:gd name="connsiteX4" fmla="*/ 0 w 11165482"/>
+              <a:gd name="connsiteY4" fmla="*/ 45719 h 45719"/>
+              <a:gd name="connsiteX5" fmla="*/ 0 w 11165482"/>
+              <a:gd name="connsiteY5" fmla="*/ 0 h 45719"/>
+              <a:gd name="connsiteX0" fmla="*/ 0 w 11165482"/>
+              <a:gd name="connsiteY0" fmla="*/ 0 h 45719"/>
+              <a:gd name="connsiteX1" fmla="*/ 11165482 w 11165482"/>
+              <a:gd name="connsiteY1" fmla="*/ 0 h 45719"/>
+              <a:gd name="connsiteX2" fmla="*/ 11165482 w 11165482"/>
+              <a:gd name="connsiteY2" fmla="*/ 45719 h 45719"/>
+              <a:gd name="connsiteX3" fmla="*/ 0 w 11165482"/>
+              <a:gd name="connsiteY3" fmla="*/ 45719 h 45719"/>
+              <a:gd name="connsiteX4" fmla="*/ 0 w 11165482"/>
+              <a:gd name="connsiteY4" fmla="*/ 0 h 45719"/>
+            </a:gdLst>
+            <a:ahLst/>
+            <a:cxnLst>
+              <a:cxn ang="0">
+                <a:pos x="connsiteX0" y="connsiteY0"/>
+              </a:cxn>
+              <a:cxn ang="0">
+                <a:pos x="connsiteX1" y="connsiteY1"/>
+              </a:cxn>
+              <a:cxn ang="0">
+                <a:pos x="connsiteX2" y="connsiteY2"/>
+              </a:cxn>
+              <a:cxn ang="0">
+                <a:pos x="connsiteX3" y="connsiteY3"/>
+              </a:cxn>
+              <a:cxn ang="0">
+                <a:pos x="connsiteX4" y="connsiteY4"/>
+              </a:cxn>
+            </a:cxnLst>
+            <a:rect l="l" t="t" r="r" b="b"/>
+            <a:pathLst>
+              <a:path w="11165482" h="45719">
+                <a:moveTo>
+                  <a:pt x="0" y="0"/>
+                </a:moveTo>
+                <a:lnTo>
+                  <a:pt x="11165482" y="0"/>
+                </a:lnTo>
+                <a:lnTo>
+                  <a:pt x="11165482" y="45719"/>
+                </a:lnTo>
+                <a:lnTo>
+                  <a:pt x="0" y="45719"/>
+                </a:lnTo>
+                <a:lnTo>
+                  <a:pt x="0" y="0"/>
+                </a:lnTo>
+                <a:close/>
+              </a:path>
+            </a:pathLst>
+          </a:custGeom>
+          <a:solidFill>
+            <a:schemeClr val="tx1"/>
+          </a:solidFill>
+          <a:ln>
+            <a:noFill/>
+          </a:ln>
+        </p:spPr>
+        <p:style>
+          <a:lnRef idx="2">
+            <a:schemeClr val="accent1">
+              <a:shade val="50000"/>
+            </a:schemeClr>
+          </a:lnRef>
+          <a:fillRef idx="1">
+            <a:schemeClr val="accent1"/>
+          </a:fillRef>
+          <a:effectRef idx="0">
+            <a:schemeClr val="accent1"/>
+          </a:effectRef>
+          <a:fontRef idx="minor">
+            <a:schemeClr val="lt1"/>
+          </a:fontRef>
+        </p:style>
+        <p:txBody>
+          <a:bodyPr wrap="square" rtlCol="0" anchor="ctr">
+            <a:noAutofit/>
+          </a:bodyPr>
+          <a:lstStyle/>
+          <a:p>
+            <a:pPr algn="ctr"/>
+            <a:endParaRPr lang="en-US"/>
+          </a:p>
+        </p:txBody>
+      </p:sp>
+    </p:spTree>
+    <p:extLst>
+      <p:ext uri="{BB962C8B-B14F-4D97-AF65-F5344CB8AC3E}">
+        <p14:creationId xmlns:p14="http://schemas.microsoft.com/office/powerpoint/2010/main" val="4251574628"/>
+      </p:ext>
+    </p:extLst>
+  </p:cSld>
+  <p:clrMapOvr>
+    <a:masterClrMapping/>
+  </p:clrMapOvr>
+  <p:timing>
+    <p:tnLst>
+      <p:par>
+        <p:cTn id="1" dur="indefinite" restart="never" nodeType="tmRoot">
+          <p:childTnLst>
+            <p:seq concurrent="1" nextAc="seek">
+              <p:cTn id="2" dur="indefinite" nodeType="mainSeq">
+                <p:childTnLst>
+                  <p:par>
+                    <p:cTn id="3" fill="hold">
+                      <p:stCondLst>
+                        <p:cond delay="indefinite"/>
+                        <p:cond evt="onBegin" delay="0">
+                          <p:tn val="2"/>
+                        </p:cond>
+                      </p:stCondLst>
+                      <p:childTnLst>
+                        <p:par>
+                          <p:cTn id="4" fill="hold">
+                            <p:stCondLst>
+                              <p:cond delay="0"/>
+                            </p:stCondLst>
+                            <p:childTnLst>
+                              <p:par>
+                                <p:cTn id="5" presetID="10" presetClass="entr" presetSubtype="0" fill="hold" grpId="0" nodeType="withEffect">
+                                  <p:stCondLst>
+                                    <p:cond delay="1000"/>
+                                  </p:stCondLst>
+                                  <p:iterate>
+                                    <p:tmPct val="10000"/>
+                                  </p:iterate>
+                                  <p:childTnLst>
+                                    <p:set>
+                                      <p:cBhvr>
+                                        <p:cTn id="6" dur="1" fill="hold">
+                                          <p:stCondLst>
+                                            <p:cond delay="0"/>
+                                          </p:stCondLst>
+                                        </p:cTn>
+                                        <p:tgtEl>
+                                          <p:spTgt spid="2"/>
+                                        </p:tgtEl>
+                                        <p:attrNameLst>
+                                          <p:attrName>style.visibility</p:attrName>
+                                        </p:attrNameLst>
+                                      </p:cBhvr>
+                                      <p:to>
+                                        <p:strVal val="visible"/>
+                                      </p:to>
+                                    </p:set>
+                                    <p:animEffect transition="in" filter="fade">
+                                      <p:cBhvr>
+                                        <p:cTn id="7" dur="700"/>
+                                        <p:tgtEl>
+                                          <p:spTgt spid="2"/>
+                                        </p:tgtEl>
+                                      </p:cBhvr>
+                                    </p:animEffect>
+                                  </p:childTnLst>
+                                </p:cTn>
+                              </p:par>
+                            </p:childTnLst>
+                          </p:cTn>
+                        </p:par>
+                      </p:childTnLst>
+                    </p:cTn>
+                  </p:par>
+                </p:childTnLst>
+              </p:cTn>
+              <p:prevCondLst>
+                <p:cond evt="onPrev" delay="0">
+                  <p:tgtEl>
+                    <p:sldTgt/>
+                  </p:tgtEl>
+                </p:cond>
+              </p:prevCondLst>
+              <p:nextCondLst>
+                <p:cond evt="onNext" delay="0">
+                  <p:tgtEl>
+                    <p:sldTgt/>
+                  </p:tgtEl>
+                </p:cond>
+              </p:nextCondLst>
+            </p:seq>
+          </p:childTnLst>
+        </p:cTn>
+      </p:par>
+    </p:tnLst>
+    <p:bldLst>
+      <p:bldP spid="2" grpId="0"/>
+    </p:bldLst>
+  </p:timing>
+</p:sld>
+</file>
+
+<file path=ppt/slides/slide3.xml><?xml version="1.0" encoding="utf-8"?>
+<p:sld xmlns:a="http://schemas.openxmlformats.org/drawingml/2006/main" xmlns:r="http://schemas.openxmlformats.org/officeDocument/2006/relationships" xmlns:p="http://schemas.openxmlformats.org/presentationml/2006/main">
+  <p:cSld>
     <p:spTree>
       <p:nvGrpSpPr>
         <p:cNvPr id="1" name=""/>
@@ -13419,7 +13818,7 @@
 </p:sld>
 </file>
 
-<file path=ppt/slides/slide3.xml><?xml version="1.0" encoding="utf-8"?>
+<file path=ppt/slides/slide4.xml><?xml version="1.0" encoding="utf-8"?>
 <p:sld xmlns:a="http://schemas.openxmlformats.org/drawingml/2006/main" xmlns:r="http://schemas.openxmlformats.org/officeDocument/2006/relationships" xmlns:p="http://schemas.openxmlformats.org/presentationml/2006/main">
   <p:cSld>
     <p:bg>
@@ -13839,7 +14238,7 @@
 </p:sld>
 </file>
 
-<file path=ppt/slides/slide4.xml><?xml version="1.0" encoding="utf-8"?>
+<file path=ppt/slides/slide5.xml><?xml version="1.0" encoding="utf-8"?>
 <p:sld xmlns:a="http://schemas.openxmlformats.org/drawingml/2006/main" xmlns:r="http://schemas.openxmlformats.org/officeDocument/2006/relationships" xmlns:p="http://schemas.openxmlformats.org/presentationml/2006/main">
   <p:cSld>
     <p:spTree>
@@ -14096,7 +14495,7 @@
 </p:sld>
 </file>
 
-<file path=ppt/slides/slide5.xml><?xml version="1.0" encoding="utf-8"?>
+<file path=ppt/slides/slide6.xml><?xml version="1.0" encoding="utf-8"?>
 <p:sld xmlns:a="http://schemas.openxmlformats.org/drawingml/2006/main" xmlns:r="http://schemas.openxmlformats.org/officeDocument/2006/relationships" xmlns:p="http://schemas.openxmlformats.org/presentationml/2006/main">
   <p:cSld>
     <p:spTree>
@@ -14371,7 +14770,7 @@
 </p:sld>
 </file>
 
-<file path=ppt/slides/slide6.xml><?xml version="1.0" encoding="utf-8"?>
+<file path=ppt/slides/slide7.xml><?xml version="1.0" encoding="utf-8"?>
 <p:sld xmlns:a="http://schemas.openxmlformats.org/drawingml/2006/main" xmlns:r="http://schemas.openxmlformats.org/officeDocument/2006/relationships" xmlns:p="http://schemas.openxmlformats.org/presentationml/2006/main">
   <p:cSld>
     <p:bg>
@@ -14811,7 +15210,7 @@
 </p:sld>
 </file>
 
-<file path=ppt/slides/slide7.xml><?xml version="1.0" encoding="utf-8"?>
+<file path=ppt/slides/slide8.xml><?xml version="1.0" encoding="utf-8"?>
 <p:sld xmlns:a="http://schemas.openxmlformats.org/drawingml/2006/main" xmlns:r="http://schemas.openxmlformats.org/officeDocument/2006/relationships" xmlns:p="http://schemas.openxmlformats.org/presentationml/2006/main">
   <p:cSld>
     <p:spTree>
@@ -15071,7 +15470,7 @@
 </p:sld>
 </file>
 
-<file path=ppt/slides/slide8.xml><?xml version="1.0" encoding="utf-8"?>
+<file path=ppt/slides/slide9.xml><?xml version="1.0" encoding="utf-8"?>
 <p:sld xmlns:a="http://schemas.openxmlformats.org/drawingml/2006/main" xmlns:r="http://schemas.openxmlformats.org/officeDocument/2006/relationships" xmlns:p="http://schemas.openxmlformats.org/presentationml/2006/main">
   <p:cSld>
     <p:spTree>
@@ -15141,236 +15540,6 @@
     <p:extLst>
       <p:ext uri="{BB962C8B-B14F-4D97-AF65-F5344CB8AC3E}">
         <p14:creationId xmlns:p14="http://schemas.microsoft.com/office/powerpoint/2010/main" val="40406661"/>
-      </p:ext>
-    </p:extLst>
-  </p:cSld>
-  <p:clrMapOvr>
-    <a:masterClrMapping/>
-  </p:clrMapOvr>
-</p:sld>
-</file>
-
-<file path=ppt/slides/slide9.xml><?xml version="1.0" encoding="utf-8"?>
-<p:sld xmlns:a="http://schemas.openxmlformats.org/drawingml/2006/main" xmlns:r="http://schemas.openxmlformats.org/officeDocument/2006/relationships" xmlns:p="http://schemas.openxmlformats.org/presentationml/2006/main">
-  <p:cSld>
-    <p:spTree>
-      <p:nvGrpSpPr>
-        <p:cNvPr id="1" name=""/>
-        <p:cNvGrpSpPr/>
-        <p:nvPr/>
-      </p:nvGrpSpPr>
-      <p:grpSpPr>
-        <a:xfrm>
-          <a:off x="0" y="0"/>
-          <a:ext cx="0" cy="0"/>
-          <a:chOff x="0" y="0"/>
-          <a:chExt cx="0" cy="0"/>
-        </a:xfrm>
-      </p:grpSpPr>
-      <p:sp>
-        <p:nvSpPr>
-          <p:cNvPr id="2" name="Title 1">
-            <a:extLst>
-              <a:ext uri="{FF2B5EF4-FFF2-40B4-BE49-F238E27FC236}">
-                <a16:creationId xmlns:a16="http://schemas.microsoft.com/office/drawing/2014/main" id="{F46DFE1D-75F1-4A52-6AA9-8466809746C8}"/>
-              </a:ext>
-            </a:extLst>
-          </p:cNvPr>
-          <p:cNvSpPr>
-            <a:spLocks noGrp="1"/>
-          </p:cNvSpPr>
-          <p:nvPr>
-            <p:ph type="title"/>
-          </p:nvPr>
-        </p:nvSpPr>
-        <p:spPr>
-          <a:xfrm>
-            <a:off x="521208" y="978408"/>
-            <a:ext cx="11155680" cy="1128184"/>
-          </a:xfrm>
-        </p:spPr>
-        <p:txBody>
-          <a:bodyPr>
-            <a:normAutofit/>
-          </a:bodyPr>
-          <a:lstStyle/>
-          <a:p>
-            <a:r>
-              <a:rPr lang="hu-HU" sz="4000" dirty="0"/>
-              <a:t>HTTP/2 egyéb újdonságai</a:t>
-            </a:r>
-            <a:endParaRPr lang="en-US" sz="4000" dirty="0"/>
-          </a:p>
-        </p:txBody>
-      </p:sp>
-      <p:sp>
-        <p:nvSpPr>
-          <p:cNvPr id="3" name="Content Placeholder 2">
-            <a:extLst>
-              <a:ext uri="{FF2B5EF4-FFF2-40B4-BE49-F238E27FC236}">
-                <a16:creationId xmlns:a16="http://schemas.microsoft.com/office/drawing/2014/main" id="{B9FDFEAA-D8FD-659C-F843-028D3E57BEC0}"/>
-              </a:ext>
-            </a:extLst>
-          </p:cNvPr>
-          <p:cNvSpPr>
-            <a:spLocks noGrp="1"/>
-          </p:cNvSpPr>
-          <p:nvPr>
-            <p:ph idx="1"/>
-          </p:nvPr>
-        </p:nvSpPr>
-        <p:spPr>
-          <a:xfrm>
-            <a:off x="518160" y="2254517"/>
-            <a:ext cx="11155680" cy="3767328"/>
-          </a:xfrm>
-        </p:spPr>
-        <p:txBody>
-          <a:bodyPr>
-            <a:normAutofit/>
-          </a:bodyPr>
-          <a:lstStyle/>
-          <a:p>
-            <a:pPr>
-              <a:lnSpc>
-                <a:spcPct val="150000"/>
-              </a:lnSpc>
-            </a:pPr>
-            <a:r>
-              <a:rPr lang="hu-HU" sz="2400" b="1" dirty="0"/>
-              <a:t>HPACK</a:t>
-            </a:r>
-            <a:r>
-              <a:rPr lang="hu-HU" sz="2400" dirty="0"/>
-              <a:t>: </a:t>
-            </a:r>
-            <a:r>
-              <a:rPr lang="hu-HU" sz="2400" dirty="0" err="1"/>
-              <a:t>Header</a:t>
-            </a:r>
-            <a:r>
-              <a:rPr lang="hu-HU" sz="2400" dirty="0"/>
-              <a:t> </a:t>
-            </a:r>
-            <a:r>
-              <a:rPr lang="hu-HU" sz="2400" dirty="0" err="1"/>
-              <a:t>Compression</a:t>
-            </a:r>
-            <a:endParaRPr lang="hu-HU" sz="2400" dirty="0"/>
-          </a:p>
-          <a:p>
-            <a:pPr>
-              <a:lnSpc>
-                <a:spcPct val="150000"/>
-              </a:lnSpc>
-            </a:pPr>
-            <a:r>
-              <a:rPr lang="en-US" sz="2400" dirty="0"/>
-              <a:t>HPACK </a:t>
-            </a:r>
-            <a:r>
-              <a:rPr lang="en-US" sz="2400" b="1" dirty="0" err="1"/>
-              <a:t>tömöríti</a:t>
-            </a:r>
-            <a:r>
-              <a:rPr lang="en-US" sz="2400" dirty="0"/>
-              <a:t> </a:t>
-            </a:r>
-            <a:r>
-              <a:rPr lang="en-US" sz="2400" b="1" dirty="0"/>
-              <a:t>a</a:t>
-            </a:r>
-            <a:r>
-              <a:rPr lang="en-US" sz="2400" dirty="0"/>
-              <a:t> </a:t>
-            </a:r>
-            <a:r>
-              <a:rPr lang="en-US" sz="2400" b="1" dirty="0" err="1"/>
-              <a:t>fejléceket</a:t>
-            </a:r>
-            <a:r>
-              <a:rPr lang="hu-HU" sz="2400" dirty="0"/>
-              <a:t>, ezáltal j</a:t>
-            </a:r>
-            <a:r>
-              <a:rPr lang="en-US" sz="2400" dirty="0" err="1"/>
-              <a:t>elentős</a:t>
-            </a:r>
-            <a:r>
-              <a:rPr lang="en-US" sz="2400" dirty="0"/>
-              <a:t> </a:t>
-            </a:r>
-            <a:r>
-              <a:rPr lang="en-US" sz="2400" dirty="0" err="1"/>
-              <a:t>sávszélességcsökkenés</a:t>
-            </a:r>
-            <a:endParaRPr lang="hu-HU" sz="2400" dirty="0"/>
-          </a:p>
-          <a:p>
-            <a:pPr>
-              <a:lnSpc>
-                <a:spcPct val="150000"/>
-              </a:lnSpc>
-            </a:pPr>
-            <a:r>
-              <a:rPr lang="hu-HU" sz="2400" b="1" dirty="0" err="1"/>
-              <a:t>Stream</a:t>
-            </a:r>
-            <a:r>
-              <a:rPr lang="hu-HU" sz="2400" dirty="0"/>
-              <a:t> </a:t>
-            </a:r>
-            <a:r>
-              <a:rPr lang="hu-HU" sz="2400" b="1" dirty="0" err="1"/>
-              <a:t>priorítások</a:t>
-            </a:r>
-            <a:r>
-              <a:rPr lang="hu-HU" sz="2400" dirty="0"/>
-              <a:t>: böngésző közölheti, mi fontosabb</a:t>
-            </a:r>
-          </a:p>
-          <a:p>
-            <a:pPr>
-              <a:lnSpc>
-                <a:spcPct val="150000"/>
-              </a:lnSpc>
-            </a:pPr>
-            <a:r>
-              <a:rPr lang="en-US" sz="2400" b="1" dirty="0"/>
-              <a:t>Server Push</a:t>
-            </a:r>
-            <a:r>
-              <a:rPr lang="en-US" sz="2400" dirty="0"/>
-              <a:t>: </a:t>
-            </a:r>
-            <a:r>
-              <a:rPr lang="en-US" sz="2400" dirty="0" err="1"/>
-              <a:t>előre</a:t>
-            </a:r>
-            <a:r>
-              <a:rPr lang="en-US" sz="2400" dirty="0"/>
-              <a:t> </a:t>
-            </a:r>
-            <a:r>
-              <a:rPr lang="en-US" sz="2400" dirty="0" err="1"/>
-              <a:t>küldött</a:t>
-            </a:r>
-            <a:r>
-              <a:rPr lang="en-US" sz="2400" dirty="0"/>
-              <a:t> </a:t>
-            </a:r>
-            <a:r>
-              <a:rPr lang="en-US" sz="2400" dirty="0" err="1"/>
-              <a:t>erőforrások</a:t>
-            </a:r>
-            <a:endParaRPr lang="en-US" sz="2400" dirty="0"/>
-          </a:p>
-        </p:txBody>
-      </p:sp>
-    </p:spTree>
-    <p:extLst>
-      <p:ext uri="{BB962C8B-B14F-4D97-AF65-F5344CB8AC3E}">
-        <p14:creationId xmlns:p14="http://schemas.microsoft.com/office/powerpoint/2010/main" val="1368436067"/>
       </p:ext>
     </p:extLst>
   </p:cSld>
